--- a/SEED/ref/SEED-128.pptx
+++ b/SEED/ref/SEED-128.pptx
@@ -5,7 +5,7 @@
     <p:sldMasterId id="2147483648" r:id="rId1"/>
   </p:sldMasterIdLst>
   <p:notesMasterIdLst>
-    <p:notesMasterId r:id="rId37"/>
+    <p:notesMasterId r:id="rId42"/>
   </p:notesMasterIdLst>
   <p:sldIdLst>
     <p:sldId id="532" r:id="rId2"/>
@@ -42,7 +42,12 @@
     <p:sldId id="579" r:id="rId33"/>
     <p:sldId id="582" r:id="rId34"/>
     <p:sldId id="583" r:id="rId35"/>
-    <p:sldId id="527" r:id="rId36"/>
+    <p:sldId id="584" r:id="rId36"/>
+    <p:sldId id="585" r:id="rId37"/>
+    <p:sldId id="586" r:id="rId38"/>
+    <p:sldId id="587" r:id="rId39"/>
+    <p:sldId id="588" r:id="rId40"/>
+    <p:sldId id="527" r:id="rId41"/>
   </p:sldIdLst>
   <p:sldSz cx="12192000" cy="6858000"/>
   <p:notesSz cx="6858000" cy="9144000"/>
@@ -234,7 +239,7 @@
           <a:p>
             <a:fld id="{68D7D084-C4C0-42B0-BD01-5F1E5FEB8D38}" type="datetimeFigureOut">
               <a:rPr lang="ko-KR" altLang="en-US" smtClean="0"/>
-              <a:t>2024-03-18</a:t>
+              <a:t>2024-03-22</a:t>
             </a:fld>
             <a:endParaRPr lang="ko-KR" altLang="en-US"/>
           </a:p>
@@ -14558,56 +14563,49 @@
           <p:nvPr>
             <p:extLst>
               <p:ext uri="{D42A27DB-BD31-4B8C-83A1-F6EECF244321}">
-                <p14:modId xmlns:p14="http://schemas.microsoft.com/office/powerpoint/2010/main" val="1785603497"/>
+                <p14:modId xmlns:p14="http://schemas.microsoft.com/office/powerpoint/2010/main" val="3305121657"/>
               </p:ext>
             </p:extLst>
           </p:nvPr>
         </p:nvGraphicFramePr>
         <p:xfrm>
-          <a:off x="1440846" y="1558463"/>
-          <a:ext cx="9485766" cy="4303592"/>
+          <a:off x="1690007" y="1558463"/>
+          <a:ext cx="7992518" cy="4303592"/>
         </p:xfrm>
         <a:graphic>
           <a:graphicData uri="http://schemas.openxmlformats.org/drawingml/2006/table">
             <a:tbl>
               <a:tblPr/>
               <a:tblGrid>
-                <a:gridCol w="910468">
+                <a:gridCol w="1012257">
                   <a:extLst>
                     <a:ext uri="{9D8B030D-6E8A-4147-A177-3AD203B41FA5}">
                       <a16:colId xmlns:a16="http://schemas.microsoft.com/office/drawing/2014/main" val="965550313"/>
                     </a:ext>
                   </a:extLst>
                 </a:gridCol>
-                <a:gridCol w="333904">
+                <a:gridCol w="371233">
                   <a:extLst>
                     <a:ext uri="{9D8B030D-6E8A-4147-A177-3AD203B41FA5}">
                       <a16:colId xmlns:a16="http://schemas.microsoft.com/office/drawing/2014/main" val="3798485637"/>
                     </a:ext>
                   </a:extLst>
                 </a:gridCol>
-                <a:gridCol w="1021368">
+                <a:gridCol w="4045760">
                   <a:extLst>
                     <a:ext uri="{9D8B030D-6E8A-4147-A177-3AD203B41FA5}">
                       <a16:colId xmlns:a16="http://schemas.microsoft.com/office/drawing/2014/main" val="3973650895"/>
                     </a:ext>
                   </a:extLst>
                 </a:gridCol>
-                <a:gridCol w="2286000">
-                  <a:extLst>
-                    <a:ext uri="{9D8B030D-6E8A-4147-A177-3AD203B41FA5}">
-                      <a16:colId xmlns:a16="http://schemas.microsoft.com/office/drawing/2014/main" val="3276318262"/>
-                    </a:ext>
-                  </a:extLst>
-                </a:gridCol>
-                <a:gridCol w="2916787">
+                <a:gridCol w="1608364">
                   <a:extLst>
                     <a:ext uri="{9D8B030D-6E8A-4147-A177-3AD203B41FA5}">
                       <a16:colId xmlns:a16="http://schemas.microsoft.com/office/drawing/2014/main" val="2825641833"/>
                     </a:ext>
                   </a:extLst>
                 </a:gridCol>
-                <a:gridCol w="2017239">
+                <a:gridCol w="954904">
                   <a:extLst>
                     <a:ext uri="{9D8B030D-6E8A-4147-A177-3AD203B41FA5}">
                       <a16:colId xmlns:a16="http://schemas.microsoft.com/office/drawing/2014/main" val="241033273"/>
@@ -14830,101 +14828,6 @@
                         </a:rPr>
                         <a:t>IDLE</a:t>
                       </a:r>
-                    </a:p>
-                  </a:txBody>
-                  <a:tcPr marL="9525" marR="9525" marT="9525" marB="0" anchor="ctr">
-                    <a:lnL w="3175" cap="flat" cmpd="sng" algn="ctr">
-                      <a:solidFill>
-                        <a:schemeClr val="tx1"/>
-                      </a:solidFill>
-                      <a:prstDash val="solid"/>
-                      <a:round/>
-                      <a:headEnd type="none" w="med" len="med"/>
-                      <a:tailEnd type="none" w="med" len="med"/>
-                    </a:lnL>
-                    <a:lnR w="3175" cap="flat" cmpd="sng" algn="ctr">
-                      <a:solidFill>
-                        <a:schemeClr val="tx1"/>
-                      </a:solidFill>
-                      <a:prstDash val="solid"/>
-                      <a:round/>
-                      <a:headEnd type="none" w="med" len="med"/>
-                      <a:tailEnd type="none" w="med" len="med"/>
-                    </a:lnR>
-                    <a:lnT w="28575" cap="flat" cmpd="sng" algn="ctr">
-                      <a:solidFill>
-                        <a:schemeClr val="tx1"/>
-                      </a:solidFill>
-                      <a:prstDash val="solid"/>
-                      <a:round/>
-                      <a:headEnd type="none" w="med" len="med"/>
-                      <a:tailEnd type="none" w="med" len="med"/>
-                    </a:lnT>
-                    <a:lnB w="3175" cap="flat" cmpd="sng" algn="ctr">
-                      <a:solidFill>
-                        <a:schemeClr val="tx1"/>
-                      </a:solidFill>
-                      <a:prstDash val="solid"/>
-                      <a:round/>
-                      <a:headEnd type="none" w="med" len="med"/>
-                      <a:tailEnd type="none" w="med" len="med"/>
-                    </a:lnB>
-                    <a:lnTlToBr>
-                      <a:noFill/>
-                    </a:lnTlToBr>
-                    <a:lnBlToTr>
-                      <a:noFill/>
-                    </a:lnBlToTr>
-                    <a:gradFill rotWithShape="1">
-                      <a:gsLst>
-                        <a:gs pos="0">
-                          <a:srgbClr val="DDDDDD"/>
-                        </a:gs>
-                        <a:gs pos="100000">
-                          <a:srgbClr val="DDDDDD">
-                            <a:gamma/>
-                            <a:shade val="89020"/>
-                            <a:invGamma/>
-                          </a:srgbClr>
-                        </a:gs>
-                      </a:gsLst>
-                      <a:lin ang="5400000" scaled="1"/>
-                    </a:gradFill>
-                  </a:tcPr>
-                </a:tc>
-                <a:tc>
-                  <a:txBody>
-                    <a:bodyPr/>
-                    <a:lstStyle/>
-                    <a:p>
-                      <a:pPr algn="ctr" fontAlgn="ctr"/>
-                      <a:r>
-                        <a:rPr kumimoji="0" lang="en-US" sz="1600" b="1" i="0" u="none" strike="noStrike" kern="1200" cap="none" normalizeH="0" baseline="0">
-                          <a:ln>
-                            <a:noFill/>
-                          </a:ln>
-                          <a:solidFill>
-                            <a:schemeClr val="tx1"/>
-                          </a:solidFill>
-                          <a:effectLst/>
-                          <a:latin typeface="Times New Roman" panose="02020603050405020304" pitchFamily="18" charset="0"/>
-                          <a:ea typeface="+mn-ea"/>
-                          <a:cs typeface="+mn-cs"/>
-                        </a:rPr>
-                        <a:t>GETTEXT</a:t>
-                      </a:r>
-                      <a:endParaRPr kumimoji="0" lang="en-US" sz="1600" b="1" i="0" u="none" strike="noStrike" kern="1200" cap="none" normalizeH="0" baseline="0" dirty="0">
-                        <a:ln>
-                          <a:noFill/>
-                        </a:ln>
-                        <a:solidFill>
-                          <a:schemeClr val="tx1"/>
-                        </a:solidFill>
-                        <a:effectLst/>
-                        <a:latin typeface="Times New Roman" panose="02020603050405020304" pitchFamily="18" charset="0"/>
-                        <a:ea typeface="+mn-ea"/>
-                        <a:cs typeface="+mn-cs"/>
-                      </a:endParaRPr>
                     </a:p>
                   </a:txBody>
                   <a:tcPr marL="9525" marR="9525" marT="9525" marB="0" anchor="ctr">
@@ -15515,89 +15418,6 @@
                       <a:headEnd type="none" w="med" len="med"/>
                       <a:tailEnd type="none" w="med" len="med"/>
                     </a:lnL>
-                    <a:lnR w="3175" cap="flat" cmpd="sng" algn="ctr">
-                      <a:solidFill>
-                        <a:schemeClr val="tx1"/>
-                      </a:solidFill>
-                      <a:prstDash val="solid"/>
-                      <a:round/>
-                      <a:headEnd type="none" w="med" len="med"/>
-                      <a:tailEnd type="none" w="med" len="med"/>
-                    </a:lnR>
-                    <a:lnT w="3175" cap="flat" cmpd="sng" algn="ctr">
-                      <a:solidFill>
-                        <a:schemeClr val="tx1"/>
-                      </a:solidFill>
-                      <a:prstDash val="solid"/>
-                      <a:round/>
-                      <a:headEnd type="none" w="med" len="med"/>
-                      <a:tailEnd type="none" w="med" len="med"/>
-                    </a:lnT>
-                    <a:lnB w="3175" cap="flat" cmpd="sng" algn="ctr">
-                      <a:solidFill>
-                        <a:schemeClr val="tx1"/>
-                      </a:solidFill>
-                      <a:prstDash val="solid"/>
-                      <a:round/>
-                      <a:headEnd type="none" w="med" len="med"/>
-                      <a:tailEnd type="none" w="med" len="med"/>
-                    </a:lnB>
-                    <a:lnTlToBr>
-                      <a:noFill/>
-                    </a:lnTlToBr>
-                    <a:lnBlToTr>
-                      <a:noFill/>
-                    </a:lnBlToTr>
-                    <a:solidFill>
-                      <a:schemeClr val="bg1"/>
-                    </a:solidFill>
-                  </a:tcPr>
-                </a:tc>
-                <a:tc>
-                  <a:txBody>
-                    <a:bodyPr/>
-                    <a:lstStyle/>
-                    <a:p>
-                      <a:pPr algn="ctr" fontAlgn="ctr"/>
-                      <a:r>
-                        <a:rPr kumimoji="0" lang="en-US" altLang="ko-KR" sz="1600" b="0" i="0" u="none" strike="noStrike" kern="1200" cap="none" normalizeH="0" baseline="0">
-                          <a:ln>
-                            <a:noFill/>
-                          </a:ln>
-                          <a:solidFill>
-                            <a:schemeClr val="tx1"/>
-                          </a:solidFill>
-                          <a:effectLst/>
-                          <a:latin typeface="Times New Roman" panose="02020603050405020304" pitchFamily="18" charset="0"/>
-                          <a:ea typeface="+mn-ea"/>
-                          <a:cs typeface="+mn-cs"/>
-                        </a:rPr>
-                        <a:t>0</a:t>
-                      </a:r>
-                      <a:endParaRPr kumimoji="0" lang="en-US" altLang="ko-KR" sz="1600" b="0" i="0" u="none" strike="noStrike" kern="1200" cap="none" normalizeH="0" baseline="0" dirty="0">
-                        <a:ln>
-                          <a:noFill/>
-                        </a:ln>
-                        <a:solidFill>
-                          <a:schemeClr val="tx1"/>
-                        </a:solidFill>
-                        <a:effectLst/>
-                        <a:latin typeface="Times New Roman" panose="02020603050405020304" pitchFamily="18" charset="0"/>
-                        <a:ea typeface="+mn-ea"/>
-                        <a:cs typeface="+mn-cs"/>
-                      </a:endParaRPr>
-                    </a:p>
-                  </a:txBody>
-                  <a:tcPr marL="9525" marR="9525" marT="9525" marB="0" anchor="ctr">
-                    <a:lnL w="3175" cap="flat" cmpd="sng" algn="ctr">
-                      <a:solidFill>
-                        <a:schemeClr val="tx1"/>
-                      </a:solidFill>
-                      <a:prstDash val="solid"/>
-                      <a:round/>
-                      <a:headEnd type="none" w="med" len="med"/>
-                      <a:tailEnd type="none" w="med" len="med"/>
-                    </a:lnL>
                     <a:lnR w="28575" cap="flat" cmpd="sng" algn="ctr">
                       <a:solidFill>
                         <a:schemeClr val="tx1"/>
@@ -15741,6 +15561,90 @@
                         <a:ea typeface="+mn-ea"/>
                         <a:cs typeface="+mn-cs"/>
                       </a:endParaRPr>
+                    </a:p>
+                  </a:txBody>
+                  <a:tcPr marL="9525" marR="9525" marT="9525" marB="0" anchor="ctr">
+                    <a:lnL w="3175" cap="flat" cmpd="sng" algn="ctr">
+                      <a:solidFill>
+                        <a:schemeClr val="tx1"/>
+                      </a:solidFill>
+                      <a:prstDash val="solid"/>
+                      <a:round/>
+                      <a:headEnd type="none" w="med" len="med"/>
+                      <a:tailEnd type="none" w="med" len="med"/>
+                    </a:lnL>
+                    <a:lnR w="3175" cap="flat" cmpd="sng" algn="ctr">
+                      <a:solidFill>
+                        <a:schemeClr val="tx1"/>
+                      </a:solidFill>
+                      <a:prstDash val="solid"/>
+                      <a:round/>
+                      <a:headEnd type="none" w="med" len="med"/>
+                      <a:tailEnd type="none" w="med" len="med"/>
+                    </a:lnR>
+                    <a:lnT w="3175" cap="flat" cmpd="sng" algn="ctr">
+                      <a:solidFill>
+                        <a:schemeClr val="tx1"/>
+                      </a:solidFill>
+                      <a:prstDash val="solid"/>
+                      <a:round/>
+                      <a:headEnd type="none" w="med" len="med"/>
+                      <a:tailEnd type="none" w="med" len="med"/>
+                    </a:lnT>
+                    <a:lnB w="3175" cap="flat" cmpd="sng" algn="ctr">
+                      <a:solidFill>
+                        <a:schemeClr val="tx1"/>
+                      </a:solidFill>
+                      <a:prstDash val="solid"/>
+                      <a:round/>
+                      <a:headEnd type="none" w="med" len="med"/>
+                      <a:tailEnd type="none" w="med" len="med"/>
+                    </a:lnB>
+                    <a:lnTlToBr>
+                      <a:noFill/>
+                    </a:lnTlToBr>
+                    <a:lnBlToTr>
+                      <a:noFill/>
+                    </a:lnBlToTr>
+                    <a:solidFill>
+                      <a:schemeClr val="bg1"/>
+                    </a:solidFill>
+                  </a:tcPr>
+                </a:tc>
+                <a:tc>
+                  <a:txBody>
+                    <a:bodyPr/>
+                    <a:lstStyle/>
+                    <a:p>
+                      <a:pPr marL="0" marR="0" lvl="0" indent="0" algn="ctr" defTabSz="914400" rtl="0" eaLnBrk="1" fontAlgn="ctr" latinLnBrk="1" hangingPunct="1">
+                        <a:lnSpc>
+                          <a:spcPct val="100000"/>
+                        </a:lnSpc>
+                        <a:spcBef>
+                          <a:spcPts val="0"/>
+                        </a:spcBef>
+                        <a:spcAft>
+                          <a:spcPts val="0"/>
+                        </a:spcAft>
+                        <a:buClrTx/>
+                        <a:buSzTx/>
+                        <a:buFontTx/>
+                        <a:buNone/>
+                        <a:tabLst/>
+                        <a:defRPr/>
+                      </a:pPr>
+                      <a:r>
+                        <a:rPr lang="sv-SE" sz="1600" b="0" kern="1200">
+                          <a:solidFill>
+                            <a:schemeClr val="tx1"/>
+                          </a:solidFill>
+                          <a:effectLst/>
+                          <a:latin typeface="+mn-lt"/>
+                          <a:ea typeface="+mn-ea"/>
+                          <a:cs typeface="+mn-cs"/>
+                        </a:rPr>
+                        <a:t>fIdle &amp; i_Data[128] ? i_Data[127:64] : c_L</a:t>
+                      </a:r>
                     </a:p>
                   </a:txBody>
                   <a:tcPr marL="9525" marR="9525" marT="9525" marB="0" anchor="ctr">
@@ -15880,174 +15784,6 @@
                     <a:bodyPr/>
                     <a:lstStyle/>
                     <a:p>
-                      <a:pPr marL="0" marR="0" lvl="0" indent="0" algn="ctr" defTabSz="914400" rtl="0" eaLnBrk="1" fontAlgn="ctr" latinLnBrk="1" hangingPunct="1">
-                        <a:lnSpc>
-                          <a:spcPct val="100000"/>
-                        </a:lnSpc>
-                        <a:spcBef>
-                          <a:spcPts val="0"/>
-                        </a:spcBef>
-                        <a:spcAft>
-                          <a:spcPts val="0"/>
-                        </a:spcAft>
-                        <a:buClrTx/>
-                        <a:buSzTx/>
-                        <a:buFontTx/>
-                        <a:buNone/>
-                        <a:tabLst/>
-                        <a:defRPr/>
-                      </a:pPr>
-                      <a:r>
-                        <a:rPr lang="sv-SE" sz="1600" b="0" kern="1200">
-                          <a:solidFill>
-                            <a:schemeClr val="tx1"/>
-                          </a:solidFill>
-                          <a:effectLst/>
-                          <a:latin typeface="+mn-lt"/>
-                          <a:ea typeface="+mn-ea"/>
-                          <a:cs typeface="+mn-cs"/>
-                        </a:rPr>
-                        <a:t>i_Data[127:64]</a:t>
-                      </a:r>
-                    </a:p>
-                  </a:txBody>
-                  <a:tcPr marL="9525" marR="9525" marT="9525" marB="0" anchor="ctr">
-                    <a:lnL w="3175" cap="flat" cmpd="sng" algn="ctr">
-                      <a:solidFill>
-                        <a:schemeClr val="tx1"/>
-                      </a:solidFill>
-                      <a:prstDash val="solid"/>
-                      <a:round/>
-                      <a:headEnd type="none" w="med" len="med"/>
-                      <a:tailEnd type="none" w="med" len="med"/>
-                    </a:lnL>
-                    <a:lnR w="3175" cap="flat" cmpd="sng" algn="ctr">
-                      <a:solidFill>
-                        <a:schemeClr val="tx1"/>
-                      </a:solidFill>
-                      <a:prstDash val="solid"/>
-                      <a:round/>
-                      <a:headEnd type="none" w="med" len="med"/>
-                      <a:tailEnd type="none" w="med" len="med"/>
-                    </a:lnR>
-                    <a:lnT w="3175" cap="flat" cmpd="sng" algn="ctr">
-                      <a:solidFill>
-                        <a:schemeClr val="tx1"/>
-                      </a:solidFill>
-                      <a:prstDash val="solid"/>
-                      <a:round/>
-                      <a:headEnd type="none" w="med" len="med"/>
-                      <a:tailEnd type="none" w="med" len="med"/>
-                    </a:lnT>
-                    <a:lnB w="3175" cap="flat" cmpd="sng" algn="ctr">
-                      <a:solidFill>
-                        <a:schemeClr val="tx1"/>
-                      </a:solidFill>
-                      <a:prstDash val="solid"/>
-                      <a:round/>
-                      <a:headEnd type="none" w="med" len="med"/>
-                      <a:tailEnd type="none" w="med" len="med"/>
-                    </a:lnB>
-                    <a:lnTlToBr>
-                      <a:noFill/>
-                    </a:lnTlToBr>
-                    <a:lnBlToTr>
-                      <a:noFill/>
-                    </a:lnBlToTr>
-                    <a:solidFill>
-                      <a:schemeClr val="bg1"/>
-                    </a:solidFill>
-                  </a:tcPr>
-                </a:tc>
-                <a:tc>
-                  <a:txBody>
-                    <a:bodyPr/>
-                    <a:lstStyle/>
-                    <a:p>
-                      <a:pPr marL="0" marR="0" lvl="0" indent="0" algn="ctr" defTabSz="914400" rtl="0" eaLnBrk="1" fontAlgn="ctr" latinLnBrk="1" hangingPunct="1">
-                        <a:lnSpc>
-                          <a:spcPct val="100000"/>
-                        </a:lnSpc>
-                        <a:spcBef>
-                          <a:spcPts val="0"/>
-                        </a:spcBef>
-                        <a:spcAft>
-                          <a:spcPts val="0"/>
-                        </a:spcAft>
-                        <a:buClrTx/>
-                        <a:buSzTx/>
-                        <a:buFontTx/>
-                        <a:buNone/>
-                        <a:tabLst/>
-                        <a:defRPr/>
-                      </a:pPr>
-                      <a:r>
-                        <a:rPr lang="sv-SE" sz="1600" b="0" kern="1200">
-                          <a:solidFill>
-                            <a:schemeClr val="tx1"/>
-                          </a:solidFill>
-                          <a:effectLst/>
-                          <a:latin typeface="+mn-lt"/>
-                          <a:ea typeface="+mn-ea"/>
-                          <a:cs typeface="+mn-cs"/>
-                        </a:rPr>
-                        <a:t>c_L</a:t>
-                      </a:r>
-                    </a:p>
-                  </a:txBody>
-                  <a:tcPr marL="9525" marR="9525" marT="9525" marB="0" anchor="ctr">
-                    <a:lnL w="3175" cap="flat" cmpd="sng" algn="ctr">
-                      <a:solidFill>
-                        <a:schemeClr val="tx1"/>
-                      </a:solidFill>
-                      <a:prstDash val="solid"/>
-                      <a:round/>
-                      <a:headEnd type="none" w="med" len="med"/>
-                      <a:tailEnd type="none" w="med" len="med"/>
-                    </a:lnL>
-                    <a:lnR w="3175" cap="flat" cmpd="sng" algn="ctr">
-                      <a:solidFill>
-                        <a:schemeClr val="tx1"/>
-                      </a:solidFill>
-                      <a:prstDash val="solid"/>
-                      <a:round/>
-                      <a:headEnd type="none" w="med" len="med"/>
-                      <a:tailEnd type="none" w="med" len="med"/>
-                    </a:lnR>
-                    <a:lnT w="3175" cap="flat" cmpd="sng" algn="ctr">
-                      <a:solidFill>
-                        <a:schemeClr val="tx1"/>
-                      </a:solidFill>
-                      <a:prstDash val="solid"/>
-                      <a:round/>
-                      <a:headEnd type="none" w="med" len="med"/>
-                      <a:tailEnd type="none" w="med" len="med"/>
-                    </a:lnT>
-                    <a:lnB w="3175" cap="flat" cmpd="sng" algn="ctr">
-                      <a:solidFill>
-                        <a:schemeClr val="tx1"/>
-                      </a:solidFill>
-                      <a:prstDash val="solid"/>
-                      <a:round/>
-                      <a:headEnd type="none" w="med" len="med"/>
-                      <a:tailEnd type="none" w="med" len="med"/>
-                    </a:lnB>
-                    <a:lnTlToBr>
-                      <a:noFill/>
-                    </a:lnTlToBr>
-                    <a:lnBlToTr>
-                      <a:noFill/>
-                    </a:lnBlToTr>
-                    <a:solidFill>
-                      <a:schemeClr val="bg1"/>
-                    </a:solidFill>
-                  </a:tcPr>
-                </a:tc>
-                <a:tc>
-                  <a:txBody>
-                    <a:bodyPr/>
-                    <a:lstStyle/>
-                    <a:p>
                       <a:pPr algn="ctr"/>
                       <a:r>
                         <a:rPr lang="en-US" sz="1600" b="0" kern="1200">
@@ -16216,6 +15952,90 @@
                         <a:ea typeface="+mn-ea"/>
                         <a:cs typeface="+mn-cs"/>
                       </a:endParaRPr>
+                    </a:p>
+                  </a:txBody>
+                  <a:tcPr marL="9525" marR="9525" marT="9525" marB="0" anchor="ctr">
+                    <a:lnL w="3175" cap="flat" cmpd="sng" algn="ctr">
+                      <a:solidFill>
+                        <a:schemeClr val="tx1"/>
+                      </a:solidFill>
+                      <a:prstDash val="solid"/>
+                      <a:round/>
+                      <a:headEnd type="none" w="med" len="med"/>
+                      <a:tailEnd type="none" w="med" len="med"/>
+                    </a:lnL>
+                    <a:lnR w="3175" cap="flat" cmpd="sng" algn="ctr">
+                      <a:solidFill>
+                        <a:schemeClr val="tx1"/>
+                      </a:solidFill>
+                      <a:prstDash val="solid"/>
+                      <a:round/>
+                      <a:headEnd type="none" w="med" len="med"/>
+                      <a:tailEnd type="none" w="med" len="med"/>
+                    </a:lnR>
+                    <a:lnT w="3175" cap="flat" cmpd="sng" algn="ctr">
+                      <a:solidFill>
+                        <a:schemeClr val="tx1"/>
+                      </a:solidFill>
+                      <a:prstDash val="solid"/>
+                      <a:round/>
+                      <a:headEnd type="none" w="med" len="med"/>
+                      <a:tailEnd type="none" w="med" len="med"/>
+                    </a:lnT>
+                    <a:lnB w="3175" cap="flat" cmpd="sng" algn="ctr">
+                      <a:solidFill>
+                        <a:schemeClr val="tx1"/>
+                      </a:solidFill>
+                      <a:prstDash val="solid"/>
+                      <a:round/>
+                      <a:headEnd type="none" w="med" len="med"/>
+                      <a:tailEnd type="none" w="med" len="med"/>
+                    </a:lnB>
+                    <a:lnTlToBr>
+                      <a:noFill/>
+                    </a:lnTlToBr>
+                    <a:lnBlToTr>
+                      <a:noFill/>
+                    </a:lnBlToTr>
+                    <a:solidFill>
+                      <a:schemeClr val="bg1"/>
+                    </a:solidFill>
+                  </a:tcPr>
+                </a:tc>
+                <a:tc>
+                  <a:txBody>
+                    <a:bodyPr/>
+                    <a:lstStyle/>
+                    <a:p>
+                      <a:pPr marL="0" marR="0" lvl="0" indent="0" algn="ctr" defTabSz="914400" rtl="0" eaLnBrk="1" fontAlgn="ctr" latinLnBrk="1" hangingPunct="1">
+                        <a:lnSpc>
+                          <a:spcPct val="100000"/>
+                        </a:lnSpc>
+                        <a:spcBef>
+                          <a:spcPts val="0"/>
+                        </a:spcBef>
+                        <a:spcAft>
+                          <a:spcPts val="0"/>
+                        </a:spcAft>
+                        <a:buClrTx/>
+                        <a:buSzTx/>
+                        <a:buFontTx/>
+                        <a:buNone/>
+                        <a:tabLst/>
+                        <a:defRPr/>
+                      </a:pPr>
+                      <a:r>
+                        <a:rPr lang="sv-SE" sz="1600" b="0" kern="1200">
+                          <a:solidFill>
+                            <a:schemeClr val="tx1"/>
+                          </a:solidFill>
+                          <a:effectLst/>
+                          <a:latin typeface="+mn-lt"/>
+                          <a:ea typeface="+mn-ea"/>
+                          <a:cs typeface="+mn-cs"/>
+                        </a:rPr>
+                        <a:t>fIdle &amp; i_Data[128] ? i_Data[127:64] : c_L</a:t>
+                      </a:r>
                     </a:p>
                   </a:txBody>
                   <a:tcPr marL="9525" marR="9525" marT="9525" marB="0" anchor="ctr">
@@ -16358,180 +16178,6 @@
                     <a:bodyPr/>
                     <a:lstStyle/>
                     <a:p>
-                      <a:pPr marL="0" marR="0" lvl="0" indent="0" algn="ctr" defTabSz="914400" rtl="0" eaLnBrk="1" fontAlgn="ctr" latinLnBrk="1" hangingPunct="1">
-                        <a:lnSpc>
-                          <a:spcPct val="100000"/>
-                        </a:lnSpc>
-                        <a:spcBef>
-                          <a:spcPts val="0"/>
-                        </a:spcBef>
-                        <a:spcAft>
-                          <a:spcPts val="0"/>
-                        </a:spcAft>
-                        <a:buClrTx/>
-                        <a:buSzTx/>
-                        <a:buFontTx/>
-                        <a:buNone/>
-                        <a:tabLst/>
-                        <a:defRPr/>
-                      </a:pPr>
-                      <a:r>
-                        <a:rPr kumimoji="0" lang="en-US" altLang="ko-KR" sz="1600" b="0" i="0" u="none" strike="noStrike" kern="1200" cap="none" normalizeH="0" baseline="0">
-                          <a:ln>
-                            <a:noFill/>
-                          </a:ln>
-                          <a:solidFill>
-                            <a:schemeClr val="tx1"/>
-                          </a:solidFill>
-                          <a:effectLst/>
-                          <a:latin typeface="Times New Roman" panose="02020603050405020304" pitchFamily="18" charset="0"/>
-                          <a:ea typeface="+mn-ea"/>
-                          <a:cs typeface="+mn-cs"/>
-                        </a:rPr>
-                        <a:t>i_Data[  63:  0]</a:t>
-                      </a:r>
-                    </a:p>
-                  </a:txBody>
-                  <a:tcPr marL="9525" marR="9525" marT="9525" marB="0" anchor="ctr">
-                    <a:lnL w="3175" cap="flat" cmpd="sng" algn="ctr">
-                      <a:solidFill>
-                        <a:schemeClr val="tx1"/>
-                      </a:solidFill>
-                      <a:prstDash val="solid"/>
-                      <a:round/>
-                      <a:headEnd type="none" w="med" len="med"/>
-                      <a:tailEnd type="none" w="med" len="med"/>
-                    </a:lnL>
-                    <a:lnR w="3175" cap="flat" cmpd="sng" algn="ctr">
-                      <a:solidFill>
-                        <a:schemeClr val="tx1"/>
-                      </a:solidFill>
-                      <a:prstDash val="solid"/>
-                      <a:round/>
-                      <a:headEnd type="none" w="med" len="med"/>
-                      <a:tailEnd type="none" w="med" len="med"/>
-                    </a:lnR>
-                    <a:lnT w="3175" cap="flat" cmpd="sng" algn="ctr">
-                      <a:solidFill>
-                        <a:schemeClr val="tx1"/>
-                      </a:solidFill>
-                      <a:prstDash val="solid"/>
-                      <a:round/>
-                      <a:headEnd type="none" w="med" len="med"/>
-                      <a:tailEnd type="none" w="med" len="med"/>
-                    </a:lnT>
-                    <a:lnB w="3175" cap="flat" cmpd="sng" algn="ctr">
-                      <a:solidFill>
-                        <a:schemeClr val="tx1"/>
-                      </a:solidFill>
-                      <a:prstDash val="solid"/>
-                      <a:round/>
-                      <a:headEnd type="none" w="med" len="med"/>
-                      <a:tailEnd type="none" w="med" len="med"/>
-                    </a:lnB>
-                    <a:lnTlToBr>
-                      <a:noFill/>
-                    </a:lnTlToBr>
-                    <a:lnBlToTr>
-                      <a:noFill/>
-                    </a:lnBlToTr>
-                    <a:solidFill>
-                      <a:schemeClr val="bg1"/>
-                    </a:solidFill>
-                  </a:tcPr>
-                </a:tc>
-                <a:tc>
-                  <a:txBody>
-                    <a:bodyPr/>
-                    <a:lstStyle/>
-                    <a:p>
-                      <a:pPr marL="0" marR="0" lvl="0" indent="0" algn="ctr" defTabSz="914400" rtl="0" eaLnBrk="1" fontAlgn="ctr" latinLnBrk="1" hangingPunct="1">
-                        <a:lnSpc>
-                          <a:spcPct val="100000"/>
-                        </a:lnSpc>
-                        <a:spcBef>
-                          <a:spcPts val="0"/>
-                        </a:spcBef>
-                        <a:spcAft>
-                          <a:spcPts val="0"/>
-                        </a:spcAft>
-                        <a:buClrTx/>
-                        <a:buSzTx/>
-                        <a:buFontTx/>
-                        <a:buNone/>
-                        <a:tabLst/>
-                        <a:defRPr/>
-                      </a:pPr>
-                      <a:r>
-                        <a:rPr kumimoji="0" lang="en-US" altLang="ko-KR" sz="1600" b="0" i="0" u="none" strike="noStrike" kern="1200" cap="none" normalizeH="0" baseline="0">
-                          <a:ln>
-                            <a:noFill/>
-                          </a:ln>
-                          <a:solidFill>
-                            <a:schemeClr val="tx1"/>
-                          </a:solidFill>
-                          <a:effectLst/>
-                          <a:latin typeface="Times New Roman" panose="02020603050405020304" pitchFamily="18" charset="0"/>
-                          <a:ea typeface="+mn-ea"/>
-                          <a:cs typeface="+mn-cs"/>
-                        </a:rPr>
-                        <a:t>c_R</a:t>
-                      </a:r>
-                    </a:p>
-                  </a:txBody>
-                  <a:tcPr marL="9525" marR="9525" marT="9525" marB="0" anchor="ctr">
-                    <a:lnL w="3175" cap="flat" cmpd="sng" algn="ctr">
-                      <a:solidFill>
-                        <a:schemeClr val="tx1"/>
-                      </a:solidFill>
-                      <a:prstDash val="solid"/>
-                      <a:round/>
-                      <a:headEnd type="none" w="med" len="med"/>
-                      <a:tailEnd type="none" w="med" len="med"/>
-                    </a:lnL>
-                    <a:lnR w="3175" cap="flat" cmpd="sng" algn="ctr">
-                      <a:solidFill>
-                        <a:schemeClr val="tx1"/>
-                      </a:solidFill>
-                      <a:prstDash val="solid"/>
-                      <a:round/>
-                      <a:headEnd type="none" w="med" len="med"/>
-                      <a:tailEnd type="none" w="med" len="med"/>
-                    </a:lnR>
-                    <a:lnT w="3175" cap="flat" cmpd="sng" algn="ctr">
-                      <a:solidFill>
-                        <a:schemeClr val="tx1"/>
-                      </a:solidFill>
-                      <a:prstDash val="solid"/>
-                      <a:round/>
-                      <a:headEnd type="none" w="med" len="med"/>
-                      <a:tailEnd type="none" w="med" len="med"/>
-                    </a:lnT>
-                    <a:lnB w="3175" cap="flat" cmpd="sng" algn="ctr">
-                      <a:solidFill>
-                        <a:schemeClr val="tx1"/>
-                      </a:solidFill>
-                      <a:prstDash val="solid"/>
-                      <a:round/>
-                      <a:headEnd type="none" w="med" len="med"/>
-                      <a:tailEnd type="none" w="med" len="med"/>
-                    </a:lnB>
-                    <a:lnTlToBr>
-                      <a:noFill/>
-                    </a:lnTlToBr>
-                    <a:lnBlToTr>
-                      <a:noFill/>
-                    </a:lnBlToTr>
-                    <a:solidFill>
-                      <a:schemeClr val="bg1"/>
-                    </a:solidFill>
-                  </a:tcPr>
-                </a:tc>
-                <a:tc>
-                  <a:txBody>
-                    <a:bodyPr/>
-                    <a:lstStyle/>
-                    <a:p>
                       <a:pPr algn="ctr" fontAlgn="ctr"/>
                       <a:r>
                         <a:rPr kumimoji="0" lang="en-US" altLang="ko-KR" sz="1600" b="0" i="0" u="none" strike="noStrike" kern="1200" cap="none" normalizeH="0" baseline="0">
@@ -16883,93 +16529,6 @@
                           <a:ea typeface="+mn-ea"/>
                           <a:cs typeface="+mn-cs"/>
                         </a:rPr>
-                        <a:t>c_fDec</a:t>
-                      </a:r>
-                    </a:p>
-                  </a:txBody>
-                  <a:tcPr marL="9525" marR="9525" marT="9525" marB="0" anchor="ctr">
-                    <a:lnL w="3175" cap="flat" cmpd="sng" algn="ctr">
-                      <a:solidFill>
-                        <a:schemeClr val="tx1"/>
-                      </a:solidFill>
-                      <a:prstDash val="solid"/>
-                      <a:round/>
-                      <a:headEnd type="none" w="med" len="med"/>
-                      <a:tailEnd type="none" w="med" len="med"/>
-                    </a:lnL>
-                    <a:lnR w="3175" cap="flat" cmpd="sng" algn="ctr">
-                      <a:solidFill>
-                        <a:schemeClr val="tx1"/>
-                      </a:solidFill>
-                      <a:prstDash val="solid"/>
-                      <a:round/>
-                      <a:headEnd type="none" w="med" len="med"/>
-                      <a:tailEnd type="none" w="med" len="med"/>
-                    </a:lnR>
-                    <a:lnT w="3175" cap="flat" cmpd="sng" algn="ctr">
-                      <a:solidFill>
-                        <a:schemeClr val="tx1"/>
-                      </a:solidFill>
-                      <a:prstDash val="solid"/>
-                      <a:round/>
-                      <a:headEnd type="none" w="med" len="med"/>
-                      <a:tailEnd type="none" w="med" len="med"/>
-                    </a:lnT>
-                    <a:lnB w="3175" cap="flat" cmpd="sng" algn="ctr">
-                      <a:solidFill>
-                        <a:schemeClr val="tx1"/>
-                      </a:solidFill>
-                      <a:prstDash val="solid"/>
-                      <a:round/>
-                      <a:headEnd type="none" w="med" len="med"/>
-                      <a:tailEnd type="none" w="med" len="med"/>
-                    </a:lnB>
-                    <a:lnTlToBr>
-                      <a:noFill/>
-                    </a:lnTlToBr>
-                    <a:lnBlToTr>
-                      <a:noFill/>
-                    </a:lnBlToTr>
-                    <a:solidFill>
-                      <a:schemeClr val="bg1"/>
-                    </a:solidFill>
-                  </a:tcPr>
-                </a:tc>
-                <a:tc>
-                  <a:txBody>
-                    <a:bodyPr/>
-                    <a:lstStyle/>
-                    <a:p>
-                      <a:pPr marL="0" marR="0" lvl="0" indent="0" algn="ctr" defTabSz="914400" rtl="0" eaLnBrk="1" fontAlgn="ctr" latinLnBrk="1" hangingPunct="1">
-                        <a:lnSpc>
-                          <a:spcPct val="100000"/>
-                        </a:lnSpc>
-                        <a:spcBef>
-                          <a:spcPts val="0"/>
-                        </a:spcBef>
-                        <a:spcAft>
-                          <a:spcPts val="0"/>
-                        </a:spcAft>
-                        <a:buClrTx/>
-                        <a:buSzTx/>
-                        <a:buFontTx/>
-                        <a:buNone/>
-                        <a:tabLst/>
-                        <a:defRPr/>
-                      </a:pPr>
-                      <a:r>
-                        <a:rPr kumimoji="0" lang="en-US" altLang="ko-KR" sz="1600" b="0" i="0" u="none" strike="noStrike" kern="1200" cap="none" normalizeH="0" baseline="0">
-                          <a:ln>
-                            <a:noFill/>
-                          </a:ln>
-                          <a:solidFill>
-                            <a:schemeClr val="tx1"/>
-                          </a:solidFill>
-                          <a:effectLst/>
-                          <a:latin typeface="Times New Roman" panose="02020603050405020304" pitchFamily="18" charset="0"/>
-                          <a:ea typeface="+mn-ea"/>
-                          <a:cs typeface="+mn-cs"/>
-                        </a:rPr>
                         <a:t>i_Data[128]</a:t>
                       </a:r>
                     </a:p>
@@ -17378,93 +16937,6 @@
                           <a:ea typeface="+mn-ea"/>
                           <a:cs typeface="+mn-cs"/>
                         </a:rPr>
-                        <a:t>c_a</a:t>
-                      </a:r>
-                    </a:p>
-                  </a:txBody>
-                  <a:tcPr marL="9525" marR="9525" marT="9525" marB="0" anchor="ctr">
-                    <a:lnL w="3175" cap="flat" cmpd="sng" algn="ctr">
-                      <a:solidFill>
-                        <a:schemeClr val="tx1"/>
-                      </a:solidFill>
-                      <a:prstDash val="solid"/>
-                      <a:round/>
-                      <a:headEnd type="none" w="med" len="med"/>
-                      <a:tailEnd type="none" w="med" len="med"/>
-                    </a:lnL>
-                    <a:lnR w="3175" cap="flat" cmpd="sng" algn="ctr">
-                      <a:solidFill>
-                        <a:schemeClr val="tx1"/>
-                      </a:solidFill>
-                      <a:prstDash val="solid"/>
-                      <a:round/>
-                      <a:headEnd type="none" w="med" len="med"/>
-                      <a:tailEnd type="none" w="med" len="med"/>
-                    </a:lnR>
-                    <a:lnT w="3175" cap="flat" cmpd="sng" algn="ctr">
-                      <a:solidFill>
-                        <a:schemeClr val="tx1"/>
-                      </a:solidFill>
-                      <a:prstDash val="solid"/>
-                      <a:round/>
-                      <a:headEnd type="none" w="med" len="med"/>
-                      <a:tailEnd type="none" w="med" len="med"/>
-                    </a:lnT>
-                    <a:lnB w="3175" cap="flat" cmpd="sng" algn="ctr">
-                      <a:solidFill>
-                        <a:schemeClr val="tx1"/>
-                      </a:solidFill>
-                      <a:prstDash val="solid"/>
-                      <a:round/>
-                      <a:headEnd type="none" w="med" len="med"/>
-                      <a:tailEnd type="none" w="med" len="med"/>
-                    </a:lnB>
-                    <a:lnTlToBr>
-                      <a:noFill/>
-                    </a:lnTlToBr>
-                    <a:lnBlToTr>
-                      <a:noFill/>
-                    </a:lnBlToTr>
-                    <a:solidFill>
-                      <a:schemeClr val="bg1"/>
-                    </a:solidFill>
-                  </a:tcPr>
-                </a:tc>
-                <a:tc>
-                  <a:txBody>
-                    <a:bodyPr/>
-                    <a:lstStyle/>
-                    <a:p>
-                      <a:pPr marL="0" marR="0" lvl="0" indent="0" algn="ctr" defTabSz="914400" rtl="0" eaLnBrk="1" fontAlgn="ctr" latinLnBrk="1" hangingPunct="1">
-                        <a:lnSpc>
-                          <a:spcPct val="100000"/>
-                        </a:lnSpc>
-                        <a:spcBef>
-                          <a:spcPts val="0"/>
-                        </a:spcBef>
-                        <a:spcAft>
-                          <a:spcPts val="0"/>
-                        </a:spcAft>
-                        <a:buClrTx/>
-                        <a:buSzTx/>
-                        <a:buFontTx/>
-                        <a:buNone/>
-                        <a:tabLst/>
-                        <a:defRPr/>
-                      </a:pPr>
-                      <a:r>
-                        <a:rPr kumimoji="0" lang="en-US" altLang="ko-KR" sz="1600" b="0" i="0" u="none" strike="noStrike" kern="1200" cap="none" normalizeH="0" baseline="0">
-                          <a:ln>
-                            <a:noFill/>
-                          </a:ln>
-                          <a:solidFill>
-                            <a:schemeClr val="tx1"/>
-                          </a:solidFill>
-                          <a:effectLst/>
-                          <a:latin typeface="Times New Roman" panose="02020603050405020304" pitchFamily="18" charset="0"/>
-                          <a:ea typeface="+mn-ea"/>
-                          <a:cs typeface="+mn-cs"/>
-                        </a:rPr>
                         <a:t>i_Data[127:96]</a:t>
                       </a:r>
                     </a:p>
@@ -17893,93 +17365,6 @@
                           <a:ea typeface="+mn-ea"/>
                           <a:cs typeface="+mn-cs"/>
                         </a:rPr>
-                        <a:t>c_b</a:t>
-                      </a:r>
-                    </a:p>
-                  </a:txBody>
-                  <a:tcPr marL="9525" marR="9525" marT="9525" marB="0" anchor="ctr">
-                    <a:lnL w="3175" cap="flat" cmpd="sng" algn="ctr">
-                      <a:solidFill>
-                        <a:schemeClr val="tx1"/>
-                      </a:solidFill>
-                      <a:prstDash val="solid"/>
-                      <a:round/>
-                      <a:headEnd type="none" w="med" len="med"/>
-                      <a:tailEnd type="none" w="med" len="med"/>
-                    </a:lnL>
-                    <a:lnR w="3175" cap="flat" cmpd="sng" algn="ctr">
-                      <a:solidFill>
-                        <a:schemeClr val="tx1"/>
-                      </a:solidFill>
-                      <a:prstDash val="solid"/>
-                      <a:round/>
-                      <a:headEnd type="none" w="med" len="med"/>
-                      <a:tailEnd type="none" w="med" len="med"/>
-                    </a:lnR>
-                    <a:lnT w="3175" cap="flat" cmpd="sng" algn="ctr">
-                      <a:solidFill>
-                        <a:schemeClr val="tx1"/>
-                      </a:solidFill>
-                      <a:prstDash val="solid"/>
-                      <a:round/>
-                      <a:headEnd type="none" w="med" len="med"/>
-                      <a:tailEnd type="none" w="med" len="med"/>
-                    </a:lnT>
-                    <a:lnB w="3175" cap="flat" cmpd="sng" algn="ctr">
-                      <a:solidFill>
-                        <a:schemeClr val="tx1"/>
-                      </a:solidFill>
-                      <a:prstDash val="solid"/>
-                      <a:round/>
-                      <a:headEnd type="none" w="med" len="med"/>
-                      <a:tailEnd type="none" w="med" len="med"/>
-                    </a:lnB>
-                    <a:lnTlToBr>
-                      <a:noFill/>
-                    </a:lnTlToBr>
-                    <a:lnBlToTr>
-                      <a:noFill/>
-                    </a:lnBlToTr>
-                    <a:solidFill>
-                      <a:schemeClr val="bg1"/>
-                    </a:solidFill>
-                  </a:tcPr>
-                </a:tc>
-                <a:tc>
-                  <a:txBody>
-                    <a:bodyPr/>
-                    <a:lstStyle/>
-                    <a:p>
-                      <a:pPr marL="0" marR="0" lvl="0" indent="0" algn="ctr" defTabSz="914400" rtl="0" eaLnBrk="1" fontAlgn="ctr" latinLnBrk="1" hangingPunct="1">
-                        <a:lnSpc>
-                          <a:spcPct val="100000"/>
-                        </a:lnSpc>
-                        <a:spcBef>
-                          <a:spcPts val="0"/>
-                        </a:spcBef>
-                        <a:spcAft>
-                          <a:spcPts val="0"/>
-                        </a:spcAft>
-                        <a:buClrTx/>
-                        <a:buSzTx/>
-                        <a:buFontTx/>
-                        <a:buNone/>
-                        <a:tabLst/>
-                        <a:defRPr/>
-                      </a:pPr>
-                      <a:r>
-                        <a:rPr kumimoji="0" lang="en-US" altLang="ko-KR" sz="1600" b="0" i="0" u="none" strike="noStrike" kern="1200" cap="none" normalizeH="0" baseline="0">
-                          <a:ln>
-                            <a:noFill/>
-                          </a:ln>
-                          <a:solidFill>
-                            <a:schemeClr val="tx1"/>
-                          </a:solidFill>
-                          <a:effectLst/>
-                          <a:latin typeface="Times New Roman" panose="02020603050405020304" pitchFamily="18" charset="0"/>
-                          <a:ea typeface="+mn-ea"/>
-                          <a:cs typeface="+mn-cs"/>
-                        </a:rPr>
                         <a:t>i_Data[  95:64]</a:t>
                       </a:r>
                     </a:p>
@@ -18408,93 +17793,6 @@
                           <a:ea typeface="+mn-ea"/>
                           <a:cs typeface="+mn-cs"/>
                         </a:rPr>
-                        <a:t>c_c</a:t>
-                      </a:r>
-                    </a:p>
-                  </a:txBody>
-                  <a:tcPr marL="9525" marR="9525" marT="9525" marB="0" anchor="ctr">
-                    <a:lnL w="3175" cap="flat" cmpd="sng" algn="ctr">
-                      <a:solidFill>
-                        <a:schemeClr val="tx1"/>
-                      </a:solidFill>
-                      <a:prstDash val="solid"/>
-                      <a:round/>
-                      <a:headEnd type="none" w="med" len="med"/>
-                      <a:tailEnd type="none" w="med" len="med"/>
-                    </a:lnL>
-                    <a:lnR w="3175" cap="flat" cmpd="sng" algn="ctr">
-                      <a:solidFill>
-                        <a:schemeClr val="tx1"/>
-                      </a:solidFill>
-                      <a:prstDash val="solid"/>
-                      <a:round/>
-                      <a:headEnd type="none" w="med" len="med"/>
-                      <a:tailEnd type="none" w="med" len="med"/>
-                    </a:lnR>
-                    <a:lnT w="3175" cap="flat" cmpd="sng" algn="ctr">
-                      <a:solidFill>
-                        <a:schemeClr val="tx1"/>
-                      </a:solidFill>
-                      <a:prstDash val="solid"/>
-                      <a:round/>
-                      <a:headEnd type="none" w="med" len="med"/>
-                      <a:tailEnd type="none" w="med" len="med"/>
-                    </a:lnT>
-                    <a:lnB w="3175" cap="flat" cmpd="sng" algn="ctr">
-                      <a:solidFill>
-                        <a:schemeClr val="tx1"/>
-                      </a:solidFill>
-                      <a:prstDash val="solid"/>
-                      <a:round/>
-                      <a:headEnd type="none" w="med" len="med"/>
-                      <a:tailEnd type="none" w="med" len="med"/>
-                    </a:lnB>
-                    <a:lnTlToBr>
-                      <a:noFill/>
-                    </a:lnTlToBr>
-                    <a:lnBlToTr>
-                      <a:noFill/>
-                    </a:lnBlToTr>
-                    <a:solidFill>
-                      <a:schemeClr val="bg1"/>
-                    </a:solidFill>
-                  </a:tcPr>
-                </a:tc>
-                <a:tc>
-                  <a:txBody>
-                    <a:bodyPr/>
-                    <a:lstStyle/>
-                    <a:p>
-                      <a:pPr marL="0" marR="0" lvl="0" indent="0" algn="ctr" defTabSz="914400" rtl="0" eaLnBrk="1" fontAlgn="ctr" latinLnBrk="1" hangingPunct="1">
-                        <a:lnSpc>
-                          <a:spcPct val="100000"/>
-                        </a:lnSpc>
-                        <a:spcBef>
-                          <a:spcPts val="0"/>
-                        </a:spcBef>
-                        <a:spcAft>
-                          <a:spcPts val="0"/>
-                        </a:spcAft>
-                        <a:buClrTx/>
-                        <a:buSzTx/>
-                        <a:buFontTx/>
-                        <a:buNone/>
-                        <a:tabLst/>
-                        <a:defRPr/>
-                      </a:pPr>
-                      <a:r>
-                        <a:rPr kumimoji="0" lang="en-US" altLang="ko-KR" sz="1600" b="0" i="0" u="none" strike="noStrike" kern="1200" cap="none" normalizeH="0" baseline="0">
-                          <a:ln>
-                            <a:noFill/>
-                          </a:ln>
-                          <a:solidFill>
-                            <a:schemeClr val="tx1"/>
-                          </a:solidFill>
-                          <a:effectLst/>
-                          <a:latin typeface="Times New Roman" panose="02020603050405020304" pitchFamily="18" charset="0"/>
-                          <a:ea typeface="+mn-ea"/>
-                          <a:cs typeface="+mn-cs"/>
-                        </a:rPr>
                         <a:t>i_Data[  63:32]</a:t>
                       </a:r>
                     </a:p>
@@ -18751,93 +18049,6 @@
                         <a:ea typeface="+mn-ea"/>
                         <a:cs typeface="+mn-cs"/>
                       </a:endParaRPr>
-                    </a:p>
-                  </a:txBody>
-                  <a:tcPr marL="9525" marR="9525" marT="9525" marB="0" anchor="ctr">
-                    <a:lnL w="3175" cap="flat" cmpd="sng" algn="ctr">
-                      <a:solidFill>
-                        <a:schemeClr val="tx1"/>
-                      </a:solidFill>
-                      <a:prstDash val="solid"/>
-                      <a:round/>
-                      <a:headEnd type="none" w="med" len="med"/>
-                      <a:tailEnd type="none" w="med" len="med"/>
-                    </a:lnL>
-                    <a:lnR w="3175" cap="flat" cmpd="sng" algn="ctr">
-                      <a:solidFill>
-                        <a:schemeClr val="tx1"/>
-                      </a:solidFill>
-                      <a:prstDash val="solid"/>
-                      <a:round/>
-                      <a:headEnd type="none" w="med" len="med"/>
-                      <a:tailEnd type="none" w="med" len="med"/>
-                    </a:lnR>
-                    <a:lnT w="3175" cap="flat" cmpd="sng" algn="ctr">
-                      <a:solidFill>
-                        <a:schemeClr val="tx1"/>
-                      </a:solidFill>
-                      <a:prstDash val="solid"/>
-                      <a:round/>
-                      <a:headEnd type="none" w="med" len="med"/>
-                      <a:tailEnd type="none" w="med" len="med"/>
-                    </a:lnT>
-                    <a:lnB w="28575" cap="flat" cmpd="sng" algn="ctr">
-                      <a:solidFill>
-                        <a:schemeClr val="tx1"/>
-                      </a:solidFill>
-                      <a:prstDash val="solid"/>
-                      <a:round/>
-                      <a:headEnd type="none" w="med" len="med"/>
-                      <a:tailEnd type="none" w="med" len="med"/>
-                    </a:lnB>
-                    <a:lnTlToBr>
-                      <a:noFill/>
-                    </a:lnTlToBr>
-                    <a:lnBlToTr>
-                      <a:noFill/>
-                    </a:lnBlToTr>
-                    <a:solidFill>
-                      <a:schemeClr val="bg1"/>
-                    </a:solidFill>
-                  </a:tcPr>
-                </a:tc>
-                <a:tc>
-                  <a:txBody>
-                    <a:bodyPr/>
-                    <a:lstStyle/>
-                    <a:p>
-                      <a:pPr marL="0" marR="0" lvl="0" indent="0" algn="ctr" defTabSz="914400" rtl="0" eaLnBrk="1" fontAlgn="ctr" latinLnBrk="1" hangingPunct="1">
-                        <a:lnSpc>
-                          <a:spcPct val="100000"/>
-                        </a:lnSpc>
-                        <a:spcBef>
-                          <a:spcPts val="0"/>
-                        </a:spcBef>
-                        <a:spcAft>
-                          <a:spcPts val="0"/>
-                        </a:spcAft>
-                        <a:buClrTx/>
-                        <a:buSzTx/>
-                        <a:buFontTx/>
-                        <a:buNone/>
-                        <a:tabLst/>
-                        <a:defRPr/>
-                      </a:pPr>
-                      <a:r>
-                        <a:rPr kumimoji="0" lang="en-US" altLang="ko-KR" sz="1600" b="0" i="0" u="none" strike="noStrike" kern="1200" cap="none" normalizeH="0" baseline="0">
-                          <a:ln>
-                            <a:noFill/>
-                          </a:ln>
-                          <a:solidFill>
-                            <a:schemeClr val="tx1"/>
-                          </a:solidFill>
-                          <a:effectLst/>
-                          <a:latin typeface="Times New Roman" panose="02020603050405020304" pitchFamily="18" charset="0"/>
-                          <a:ea typeface="+mn-ea"/>
-                          <a:cs typeface="+mn-cs"/>
-                        </a:rPr>
-                        <a:t>c_d</a:t>
-                      </a:r>
                     </a:p>
                   </a:txBody>
                   <a:tcPr marL="9525" marR="9525" marT="9525" marB="0" anchor="ctr">
@@ -21393,49 +20604,49 @@
           <p:nvPr>
             <p:extLst>
               <p:ext uri="{D42A27DB-BD31-4B8C-83A1-F6EECF244321}">
-                <p14:modId xmlns:p14="http://schemas.microsoft.com/office/powerpoint/2010/main" val="1269970317"/>
+                <p14:modId xmlns:p14="http://schemas.microsoft.com/office/powerpoint/2010/main" val="1656996919"/>
               </p:ext>
             </p:extLst>
           </p:nvPr>
         </p:nvGraphicFramePr>
         <p:xfrm>
-          <a:off x="1440846" y="1032380"/>
-          <a:ext cx="9360518" cy="5095035"/>
+          <a:off x="1117750" y="1105858"/>
+          <a:ext cx="9956498" cy="4726771"/>
         </p:xfrm>
         <a:graphic>
           <a:graphicData uri="http://schemas.openxmlformats.org/drawingml/2006/table">
             <a:tbl>
               <a:tblPr/>
               <a:tblGrid>
-                <a:gridCol w="1220711">
+                <a:gridCol w="1081919">
                   <a:extLst>
                     <a:ext uri="{9D8B030D-6E8A-4147-A177-3AD203B41FA5}">
                       <a16:colId xmlns:a16="http://schemas.microsoft.com/office/drawing/2014/main" val="965550313"/>
                     </a:ext>
                   </a:extLst>
                 </a:gridCol>
-                <a:gridCol w="359229">
+                <a:gridCol w="400050">
                   <a:extLst>
                     <a:ext uri="{9D8B030D-6E8A-4147-A177-3AD203B41FA5}">
                       <a16:colId xmlns:a16="http://schemas.microsoft.com/office/drawing/2014/main" val="3798485637"/>
                     </a:ext>
                   </a:extLst>
                 </a:gridCol>
-                <a:gridCol w="2155371">
+                <a:gridCol w="2491167">
                   <a:extLst>
                     <a:ext uri="{9D8B030D-6E8A-4147-A177-3AD203B41FA5}">
                       <a16:colId xmlns:a16="http://schemas.microsoft.com/office/drawing/2014/main" val="3973650895"/>
                     </a:ext>
                   </a:extLst>
                 </a:gridCol>
-                <a:gridCol w="2400300">
+                <a:gridCol w="2553127">
                   <a:extLst>
                     <a:ext uri="{9D8B030D-6E8A-4147-A177-3AD203B41FA5}">
                       <a16:colId xmlns:a16="http://schemas.microsoft.com/office/drawing/2014/main" val="1118228853"/>
                     </a:ext>
                   </a:extLst>
                 </a:gridCol>
-                <a:gridCol w="3224907">
+                <a:gridCol w="3430235">
                   <a:extLst>
                     <a:ext uri="{9D8B030D-6E8A-4147-A177-3AD203B41FA5}">
                       <a16:colId xmlns:a16="http://schemas.microsoft.com/office/drawing/2014/main" val="3708878067"/>
@@ -22079,7 +21290,7 @@
                           <a:ea typeface="+mn-ea"/>
                           <a:cs typeface="+mn-cs"/>
                         </a:rPr>
-                        <a:t>c_Round + 1</a:t>
+                        <a:t>fLstClk ? c_Round + 1 : c_Round</a:t>
                       </a:r>
                     </a:p>
                   </a:txBody>
@@ -22769,7 +21980,26 @@
                           <a:ea typeface="+mn-ea"/>
                           <a:cs typeface="+mn-cs"/>
                         </a:rPr>
-                        <a:t>~|(c_Clk) ? {g_out, n_Key[31:0]} : (c_Clk == 1 ?  {n_Key[63:32], g_out} : c_Key)</a:t>
+                        <a:t>~|(c_Clk) ? {g_out, c_Key[31:0]} : (c_Clk == 1 ?  </a:t>
+                      </a:r>
+                      <a:r>
+                        <a:rPr lang="en-US" altLang="ko-KR"/>
+                        <a:t>{_</a:t>
+                      </a:r>
+                      <a:r>
+                        <a:rPr kumimoji="0" lang="en-US" altLang="ko-KR" sz="1600" b="0" i="0" u="none" strike="noStrike" kern="1200" cap="none" normalizeH="0" baseline="0">
+                          <a:ln>
+                            <a:noFill/>
+                          </a:ln>
+                          <a:solidFill>
+                            <a:schemeClr val="tx1"/>
+                          </a:solidFill>
+                          <a:effectLst/>
+                          <a:latin typeface="Times New Roman" panose="02020603050405020304" pitchFamily="18" charset="0"/>
+                          <a:ea typeface="+mn-ea"/>
+                          <a:cs typeface="+mn-cs"/>
+                        </a:rPr>
+                        <a:t>Key[63:32], g_out} : c_Key)</a:t>
                       </a:r>
                       <a:endParaRPr kumimoji="0" lang="en-US" altLang="ko-KR" sz="1600" b="0" i="0" u="none" strike="noStrike" kern="1200" cap="none" normalizeH="0" baseline="0" dirty="0">
                         <a:ln>
@@ -23059,7 +22289,7 @@
                           <a:ea typeface="+mn-ea"/>
                           <a:cs typeface="+mn-cs"/>
                         </a:rPr>
-                        <a:t>c_Clk == 1 ? c_R : c_L</a:t>
+                        <a:t>c_Clk == 4 ? c_R : c_L</a:t>
                       </a:r>
                     </a:p>
                   </a:txBody>
@@ -23432,7 +22662,7 @@
                           <a:ea typeface="+mn-ea"/>
                           <a:cs typeface="+mn-cs"/>
                         </a:rPr>
-                        <a:t>c_Clk == 4 ? F_o_Out ^ c_L : c_R</a:t>
+                        <a:t>c_Clk == 4 ? {c_g1_Out + g_Out, g_Out} ^ c_L : c_R</a:t>
                       </a:r>
                     </a:p>
                   </a:txBody>
@@ -24358,41 +23588,7 @@
                           <a:ea typeface="+mn-ea"/>
                           <a:cs typeface="+mn-cs"/>
                         </a:rPr>
-                        <a:t>c_Clk == 4 ? (i_fDec ? (!fOdd ? c_A : {c_A[23: 0], c_B[31:24]}) : </a:t>
-                      </a:r>
-                    </a:p>
-                    <a:p>
-                      <a:pPr marL="0" marR="0" lvl="0" indent="0" algn="ctr" defTabSz="914400" rtl="0" eaLnBrk="1" fontAlgn="ctr" latinLnBrk="1" hangingPunct="1">
-                        <a:lnSpc>
-                          <a:spcPct val="100000"/>
-                        </a:lnSpc>
-                        <a:spcBef>
-                          <a:spcPts val="0"/>
-                        </a:spcBef>
-                        <a:spcAft>
-                          <a:spcPts val="0"/>
-                        </a:spcAft>
-                        <a:buClrTx/>
-                        <a:buSzTx/>
-                        <a:buFontTx/>
-                        <a:buNone/>
-                        <a:tabLst/>
-                        <a:defRPr/>
-                      </a:pPr>
-                      <a:r>
-                        <a:rPr kumimoji="0" lang="en-US" altLang="ko-KR" sz="1600" b="0" i="0" u="none" strike="noStrike" kern="1200" cap="none" normalizeH="0" baseline="0">
-                          <a:ln>
-                            <a:noFill/>
-                          </a:ln>
-                          <a:solidFill>
-                            <a:schemeClr val="tx1"/>
-                          </a:solidFill>
-                          <a:effectLst/>
-                          <a:latin typeface="Times New Roman" panose="02020603050405020304" pitchFamily="18" charset="0"/>
-                          <a:ea typeface="+mn-ea"/>
-                          <a:cs typeface="+mn-cs"/>
-                        </a:rPr>
-                        <a:t>(fOdd ? {c_B[ 7: 0], c_A[31: 8]} : c_A)) : c_A</a:t>
+                        <a:t>fLstClk &amp; fOdd ? (fDec ? {c_A[23: 0], c_B[31:24]} : {c_B[ 7: 0], c_A[31: 8]}) : c_A</a:t>
                       </a:r>
                     </a:p>
                   </a:txBody>
@@ -24676,41 +23872,7 @@
                           <a:ea typeface="+mn-ea"/>
                           <a:cs typeface="+mn-cs"/>
                         </a:rPr>
-                        <a:t>c_Clk == 4 ? (i_fDec ? (!fOdd ? c_B : {c_B[23: 0], c_A[31:24]}) : </a:t>
-                      </a:r>
-                    </a:p>
-                    <a:p>
-                      <a:pPr marL="0" marR="0" lvl="0" indent="0" algn="ctr" defTabSz="914400" rtl="0" eaLnBrk="1" fontAlgn="ctr" latinLnBrk="1" hangingPunct="1">
-                        <a:lnSpc>
-                          <a:spcPct val="100000"/>
-                        </a:lnSpc>
-                        <a:spcBef>
-                          <a:spcPts val="0"/>
-                        </a:spcBef>
-                        <a:spcAft>
-                          <a:spcPts val="0"/>
-                        </a:spcAft>
-                        <a:buClrTx/>
-                        <a:buSzTx/>
-                        <a:buFontTx/>
-                        <a:buNone/>
-                        <a:tabLst/>
-                        <a:defRPr/>
-                      </a:pPr>
-                      <a:r>
-                        <a:rPr kumimoji="0" lang="en-US" altLang="ko-KR" sz="1600" b="0" i="0" u="none" strike="noStrike" kern="1200" cap="none" normalizeH="0" baseline="0">
-                          <a:ln>
-                            <a:noFill/>
-                          </a:ln>
-                          <a:solidFill>
-                            <a:schemeClr val="tx1"/>
-                          </a:solidFill>
-                          <a:effectLst/>
-                          <a:latin typeface="Times New Roman" panose="02020603050405020304" pitchFamily="18" charset="0"/>
-                          <a:ea typeface="+mn-ea"/>
-                          <a:cs typeface="+mn-cs"/>
-                        </a:rPr>
-                        <a:t>(fOdd ? {c_A[ 7: 0], c_B[31: 8]} : c_B)) : c_B</a:t>
+                        <a:t>fLstClk &amp; fOdd ? (fDec ? {c_B[23: 0], c_A[31:24]} : {c_A[ 7: 0], c_B[31: 8]}) : c_B</a:t>
                       </a:r>
                     </a:p>
                   </a:txBody>
@@ -24994,41 +24156,7 @@
                           <a:ea typeface="+mn-ea"/>
                           <a:cs typeface="+mn-cs"/>
                         </a:rPr>
-                        <a:t>c_Clk == 4 ? (i_fDec ? (!fOdd ? {c_D[ 7: 0], c_C[31: 8]} : c_C) : </a:t>
-                      </a:r>
-                    </a:p>
-                    <a:p>
-                      <a:pPr marL="0" marR="0" lvl="0" indent="0" algn="ctr" defTabSz="914400" rtl="0" eaLnBrk="1" fontAlgn="ctr" latinLnBrk="1" hangingPunct="1">
-                        <a:lnSpc>
-                          <a:spcPct val="100000"/>
-                        </a:lnSpc>
-                        <a:spcBef>
-                          <a:spcPts val="0"/>
-                        </a:spcBef>
-                        <a:spcAft>
-                          <a:spcPts val="0"/>
-                        </a:spcAft>
-                        <a:buClrTx/>
-                        <a:buSzTx/>
-                        <a:buFontTx/>
-                        <a:buNone/>
-                        <a:tabLst/>
-                        <a:defRPr/>
-                      </a:pPr>
-                      <a:r>
-                        <a:rPr kumimoji="0" lang="en-US" altLang="ko-KR" sz="1600" b="0" i="0" u="none" strike="noStrike" kern="1200" cap="none" normalizeH="0" baseline="0">
-                          <a:ln>
-                            <a:noFill/>
-                          </a:ln>
-                          <a:solidFill>
-                            <a:schemeClr val="tx1"/>
-                          </a:solidFill>
-                          <a:effectLst/>
-                          <a:latin typeface="Times New Roman" panose="02020603050405020304" pitchFamily="18" charset="0"/>
-                          <a:ea typeface="+mn-ea"/>
-                          <a:cs typeface="+mn-cs"/>
-                        </a:rPr>
-                        <a:t>(fOdd ? c_C : {c_C[23: 0], c_D[31:24]})) : c_C</a:t>
+                        <a:t>fLstClk &amp; !fLstRound &amp; !fOdd ? (fDec ? {c_D[ 7: 0], c_C[31: 8]} : {c_C[23: 0], c_D[31:24]}) : c_C</a:t>
                       </a:r>
                     </a:p>
                   </a:txBody>
@@ -25312,41 +24440,7 @@
                           <a:ea typeface="+mn-ea"/>
                           <a:cs typeface="+mn-cs"/>
                         </a:rPr>
-                        <a:t>c_Clk == 4 ? (i_fDec ? (!fOdd ? {c_C[ 7: 0], c_D[31: 8]} : c_D) : </a:t>
-                      </a:r>
-                    </a:p>
-                    <a:p>
-                      <a:pPr marL="0" marR="0" lvl="0" indent="0" algn="ctr" defTabSz="914400" rtl="0" eaLnBrk="1" fontAlgn="ctr" latinLnBrk="1" hangingPunct="1">
-                        <a:lnSpc>
-                          <a:spcPct val="100000"/>
-                        </a:lnSpc>
-                        <a:spcBef>
-                          <a:spcPts val="0"/>
-                        </a:spcBef>
-                        <a:spcAft>
-                          <a:spcPts val="0"/>
-                        </a:spcAft>
-                        <a:buClrTx/>
-                        <a:buSzTx/>
-                        <a:buFontTx/>
-                        <a:buNone/>
-                        <a:tabLst/>
-                        <a:defRPr/>
-                      </a:pPr>
-                      <a:r>
-                        <a:rPr kumimoji="0" lang="en-US" altLang="ko-KR" sz="1600" b="0" i="0" u="none" strike="noStrike" kern="1200" cap="none" normalizeH="0" baseline="0">
-                          <a:ln>
-                            <a:noFill/>
-                          </a:ln>
-                          <a:solidFill>
-                            <a:schemeClr val="tx1"/>
-                          </a:solidFill>
-                          <a:effectLst/>
-                          <a:latin typeface="Times New Roman" panose="02020603050405020304" pitchFamily="18" charset="0"/>
-                          <a:ea typeface="+mn-ea"/>
-                          <a:cs typeface="+mn-cs"/>
-                        </a:rPr>
-                        <a:t>(fOdd ? c_D : {c_D[23: 0], c_C[31:24]})) : c_D</a:t>
+                        <a:t>fLstClk &amp; !fLstRound &amp; !fOdd ? (fDec ? {c_C[ 7: 0], c_D[31: 8]} : {c_D[23: 0], c_C[31:24]}) : c_D</a:t>
                       </a:r>
                     </a:p>
                   </a:txBody>
@@ -25452,8 +24546,8 @@
         </p:nvSpPr>
         <p:spPr>
           <a:xfrm>
-            <a:off x="1440846" y="6357423"/>
-            <a:ext cx="3863558" cy="369332"/>
+            <a:off x="1440846" y="6011431"/>
+            <a:ext cx="3805850" cy="646331"/>
           </a:xfrm>
           <a:prstGeom prst="rect">
             <a:avLst/>
@@ -25472,6 +24566,57 @@
                 <a:ea typeface="맑은 고딕" panose="020B0503020000020004" pitchFamily="50" charset="-127"/>
               </a:rPr>
               <a:t>fLstClk = c_Clk == (fJumpKey ? 2 : 4)</a:t>
+            </a:r>
+          </a:p>
+          <a:p>
+            <a:r>
+              <a:rPr lang="en-US">
+                <a:latin typeface="Times New Roman" panose="02020603050405020304" pitchFamily="18" charset="0"/>
+                <a:ea typeface="맑은 고딕" panose="020B0503020000020004" pitchFamily="50" charset="-127"/>
+              </a:rPr>
+              <a:t>fLstRound = &amp;c_Round</a:t>
+            </a:r>
+            <a:endParaRPr lang="en-US" dirty="0" err="1">
+              <a:latin typeface="Times New Roman" panose="02020603050405020304" pitchFamily="18" charset="0"/>
+              <a:ea typeface="맑은 고딕" panose="020B0503020000020004" pitchFamily="50" charset="-127"/>
+            </a:endParaRPr>
+          </a:p>
+        </p:txBody>
+      </p:sp>
+      <p:sp>
+        <p:nvSpPr>
+          <p:cNvPr id="6" name="TextBox 5">
+            <a:extLst>
+              <a:ext uri="{FF2B5EF4-FFF2-40B4-BE49-F238E27FC236}">
+                <a16:creationId xmlns:a16="http://schemas.microsoft.com/office/drawing/2014/main" id="{6604BF11-680C-70C9-83CB-DDFCDE66F01C}"/>
+              </a:ext>
+            </a:extLst>
+          </p:cNvPr>
+          <p:cNvSpPr txBox="1"/>
+          <p:nvPr/>
+        </p:nvSpPr>
+        <p:spPr>
+          <a:xfrm>
+            <a:off x="5912153" y="5984913"/>
+            <a:ext cx="2141933" cy="369332"/>
+          </a:xfrm>
+          <a:prstGeom prst="rect">
+            <a:avLst/>
+          </a:prstGeom>
+          <a:noFill/>
+        </p:spPr>
+        <p:txBody>
+          <a:bodyPr wrap="none" rtlCol="0">
+            <a:spAutoFit/>
+          </a:bodyPr>
+          <a:lstStyle/>
+          <a:p>
+            <a:r>
+              <a:rPr lang="en-US">
+                <a:latin typeface="Times New Roman" panose="02020603050405020304" pitchFamily="18" charset="0"/>
+                <a:ea typeface="맑은 고딕" panose="020B0503020000020004" pitchFamily="50" charset="-127"/>
+              </a:rPr>
+              <a:t>fOdd = !c_Round[0]</a:t>
             </a:r>
             <a:endParaRPr lang="en-US" dirty="0" err="1">
               <a:latin typeface="Times New Roman" panose="02020603050405020304" pitchFamily="18" charset="0"/>
@@ -25494,6 +24639,1586 @@
 </file>
 
 <file path=ppt/slides/slide35.xml><?xml version="1.0" encoding="utf-8"?>
+<p:sld xmlns:a="http://schemas.openxmlformats.org/drawingml/2006/main" xmlns:r="http://schemas.openxmlformats.org/officeDocument/2006/relationships" xmlns:p="http://schemas.openxmlformats.org/presentationml/2006/main">
+  <p:cSld>
+    <p:spTree>
+      <p:nvGrpSpPr>
+        <p:cNvPr id="1" name=""/>
+        <p:cNvGrpSpPr/>
+        <p:nvPr/>
+      </p:nvGrpSpPr>
+      <p:grpSpPr>
+        <a:xfrm>
+          <a:off x="0" y="0"/>
+          <a:ext cx="0" cy="0"/>
+          <a:chOff x="0" y="0"/>
+          <a:chExt cx="0" cy="0"/>
+        </a:xfrm>
+      </p:grpSpPr>
+      <p:sp>
+        <p:nvSpPr>
+          <p:cNvPr id="2" name="제목 1">
+            <a:extLst>
+              <a:ext uri="{FF2B5EF4-FFF2-40B4-BE49-F238E27FC236}">
+                <a16:creationId xmlns:a16="http://schemas.microsoft.com/office/drawing/2014/main" id="{F040DD29-1B53-B04B-CFBE-7960A076D121}"/>
+              </a:ext>
+            </a:extLst>
+          </p:cNvPr>
+          <p:cNvSpPr>
+            <a:spLocks noGrp="1"/>
+          </p:cNvSpPr>
+          <p:nvPr>
+            <p:ph type="ctrTitle"/>
+          </p:nvPr>
+        </p:nvSpPr>
+        <p:spPr/>
+        <p:txBody>
+          <a:bodyPr/>
+          <a:lstStyle/>
+          <a:p>
+            <a:r>
+              <a:rPr lang="ko-KR" altLang="en-US"/>
+              <a:t>면적 최소화 결과</a:t>
+            </a:r>
+            <a:endParaRPr lang="en-US"/>
+          </a:p>
+        </p:txBody>
+      </p:sp>
+    </p:spTree>
+    <p:extLst>
+      <p:ext uri="{BB962C8B-B14F-4D97-AF65-F5344CB8AC3E}">
+        <p14:creationId xmlns:p14="http://schemas.microsoft.com/office/powerpoint/2010/main" val="2725883935"/>
+      </p:ext>
+    </p:extLst>
+  </p:cSld>
+  <p:clrMapOvr>
+    <a:masterClrMapping/>
+  </p:clrMapOvr>
+</p:sld>
+</file>
+
+<file path=ppt/slides/slide36.xml><?xml version="1.0" encoding="utf-8"?>
+<p:sld xmlns:a="http://schemas.openxmlformats.org/drawingml/2006/main" xmlns:r="http://schemas.openxmlformats.org/officeDocument/2006/relationships" xmlns:p="http://schemas.openxmlformats.org/presentationml/2006/main">
+  <p:cSld>
+    <p:spTree>
+      <p:nvGrpSpPr>
+        <p:cNvPr id="1" name=""/>
+        <p:cNvGrpSpPr/>
+        <p:nvPr/>
+      </p:nvGrpSpPr>
+      <p:grpSpPr>
+        <a:xfrm>
+          <a:off x="0" y="0"/>
+          <a:ext cx="0" cy="0"/>
+          <a:chOff x="0" y="0"/>
+          <a:chExt cx="0" cy="0"/>
+        </a:xfrm>
+      </p:grpSpPr>
+      <p:sp>
+        <p:nvSpPr>
+          <p:cNvPr id="2" name="내용 개체 틀 1">
+            <a:extLst>
+              <a:ext uri="{FF2B5EF4-FFF2-40B4-BE49-F238E27FC236}">
+                <a16:creationId xmlns:a16="http://schemas.microsoft.com/office/drawing/2014/main" id="{50061B2A-8A79-A3D9-4AD9-5A6F620838D3}"/>
+              </a:ext>
+            </a:extLst>
+          </p:cNvPr>
+          <p:cNvSpPr>
+            <a:spLocks noGrp="1"/>
+          </p:cNvSpPr>
+          <p:nvPr>
+            <p:ph idx="1"/>
+          </p:nvPr>
+        </p:nvSpPr>
+        <p:spPr/>
+        <p:txBody>
+          <a:bodyPr/>
+          <a:lstStyle/>
+          <a:p>
+            <a:r>
+              <a:rPr lang="ko-KR" altLang="en-US"/>
+              <a:t>암호화</a:t>
+            </a:r>
+            <a:endParaRPr lang="en-US" altLang="ko-KR"/>
+          </a:p>
+          <a:p>
+            <a:pPr lvl="1"/>
+            <a:r>
+              <a:rPr lang="en-US"/>
+              <a:t>82 </a:t>
+            </a:r>
+            <a:r>
+              <a:rPr lang="ko-KR" altLang="en-US"/>
+              <a:t>클럭 소요 </a:t>
+            </a:r>
+            <a:r>
+              <a:rPr lang="en-US" altLang="ko-KR"/>
+              <a:t>(</a:t>
+            </a:r>
+            <a:r>
+              <a:rPr lang="ko-KR" altLang="en-US"/>
+              <a:t>기존 </a:t>
+            </a:r>
+            <a:r>
+              <a:rPr lang="en-US" altLang="ko-KR"/>
+              <a:t>17 </a:t>
+            </a:r>
+            <a:r>
+              <a:rPr lang="ko-KR" altLang="en-US"/>
+              <a:t>클럭</a:t>
+            </a:r>
+            <a:r>
+              <a:rPr lang="en-US" altLang="ko-KR"/>
+              <a:t>, </a:t>
+            </a:r>
+            <a:r>
+              <a:rPr lang="ko-KR" altLang="en-US"/>
+              <a:t>약 </a:t>
+            </a:r>
+            <a:r>
+              <a:rPr lang="en-US" altLang="ko-KR"/>
+              <a:t>5</a:t>
+            </a:r>
+            <a:r>
+              <a:rPr lang="ko-KR" altLang="en-US"/>
+              <a:t>배 증가</a:t>
+            </a:r>
+            <a:r>
+              <a:rPr lang="en-US" altLang="ko-KR"/>
+              <a:t>)</a:t>
+            </a:r>
+          </a:p>
+          <a:p>
+            <a:pPr marL="504000" lvl="1" indent="0">
+              <a:buNone/>
+            </a:pPr>
+            <a:endParaRPr lang="en-US"/>
+          </a:p>
+          <a:p>
+            <a:r>
+              <a:rPr lang="ko-KR" altLang="en-US"/>
+              <a:t>복호화</a:t>
+            </a:r>
+            <a:endParaRPr lang="en-US" altLang="ko-KR"/>
+          </a:p>
+          <a:p>
+            <a:pPr lvl="1"/>
+            <a:r>
+              <a:rPr lang="en-US"/>
+              <a:t>114 </a:t>
+            </a:r>
+            <a:r>
+              <a:rPr lang="ko-KR" altLang="en-US"/>
+              <a:t>클럭 소요 </a:t>
+            </a:r>
+            <a:r>
+              <a:rPr lang="en-US" altLang="ko-KR"/>
+              <a:t>(</a:t>
+            </a:r>
+            <a:r>
+              <a:rPr lang="ko-KR" altLang="en-US"/>
+              <a:t>기존 </a:t>
+            </a:r>
+            <a:r>
+              <a:rPr lang="en-US" altLang="ko-KR"/>
+              <a:t>33 </a:t>
+            </a:r>
+            <a:r>
+              <a:rPr lang="ko-KR" altLang="en-US"/>
+              <a:t>클럭</a:t>
+            </a:r>
+            <a:r>
+              <a:rPr lang="en-US" altLang="ko-KR"/>
+              <a:t>, </a:t>
+            </a:r>
+            <a:r>
+              <a:rPr lang="ko-KR" altLang="en-US"/>
+              <a:t>약 </a:t>
+            </a:r>
+            <a:r>
+              <a:rPr lang="en-US" altLang="ko-KR"/>
+              <a:t>3.5</a:t>
+            </a:r>
+            <a:r>
+              <a:rPr lang="ko-KR" altLang="en-US"/>
+              <a:t>배 증가</a:t>
+            </a:r>
+            <a:r>
+              <a:rPr lang="en-US" altLang="ko-KR"/>
+              <a:t>)</a:t>
+            </a:r>
+          </a:p>
+          <a:p>
+            <a:pPr lvl="1"/>
+            <a:endParaRPr lang="en-US" altLang="ko-KR"/>
+          </a:p>
+          <a:p>
+            <a:r>
+              <a:rPr lang="ko-KR" altLang="en-US"/>
+              <a:t>동작 주파수 </a:t>
+            </a:r>
+            <a:r>
+              <a:rPr lang="en-US" altLang="ko-KR"/>
+              <a:t>(</a:t>
+            </a:r>
+            <a:r>
+              <a:rPr lang="ko-KR" altLang="en-US"/>
+              <a:t>기존 </a:t>
+            </a:r>
+            <a:r>
+              <a:rPr lang="en-US" altLang="ko-KR"/>
+              <a:t>41.37 MHz, </a:t>
+            </a:r>
+            <a:r>
+              <a:rPr lang="ko-KR" altLang="en-US"/>
+              <a:t>약 </a:t>
+            </a:r>
+            <a:r>
+              <a:rPr lang="en-US" altLang="ko-KR"/>
+              <a:t>2</a:t>
+            </a:r>
+            <a:r>
+              <a:rPr lang="ko-KR" altLang="en-US"/>
+              <a:t>배 증가</a:t>
+            </a:r>
+            <a:r>
+              <a:rPr lang="en-US" altLang="ko-KR"/>
+              <a:t>)</a:t>
+            </a:r>
+          </a:p>
+          <a:p>
+            <a:pPr marL="504000" lvl="1" indent="0">
+              <a:buNone/>
+            </a:pPr>
+            <a:endParaRPr lang="en-US"/>
+          </a:p>
+        </p:txBody>
+      </p:sp>
+      <p:sp>
+        <p:nvSpPr>
+          <p:cNvPr id="3" name="슬라이드 번호 개체 틀 2">
+            <a:extLst>
+              <a:ext uri="{FF2B5EF4-FFF2-40B4-BE49-F238E27FC236}">
+                <a16:creationId xmlns:a16="http://schemas.microsoft.com/office/drawing/2014/main" id="{0323BB29-BB3A-0064-0061-907431F7E424}"/>
+              </a:ext>
+            </a:extLst>
+          </p:cNvPr>
+          <p:cNvSpPr>
+            <a:spLocks noGrp="1"/>
+          </p:cNvSpPr>
+          <p:nvPr>
+            <p:ph type="sldNum" sz="quarter" idx="12"/>
+          </p:nvPr>
+        </p:nvSpPr>
+        <p:spPr/>
+        <p:txBody>
+          <a:bodyPr/>
+          <a:lstStyle/>
+          <a:p>
+            <a:fld id="{0D2C6ACC-C63B-484F-9F1A-C33FE2250CD5}" type="slidenum">
+              <a:rPr lang="ko-KR" altLang="en-US" smtClean="0"/>
+              <a:pPr/>
+              <a:t>36</a:t>
+            </a:fld>
+            <a:endParaRPr lang="ko-KR" altLang="en-US" dirty="0"/>
+          </a:p>
+        </p:txBody>
+      </p:sp>
+      <p:sp>
+        <p:nvSpPr>
+          <p:cNvPr id="4" name="제목 3">
+            <a:extLst>
+              <a:ext uri="{FF2B5EF4-FFF2-40B4-BE49-F238E27FC236}">
+                <a16:creationId xmlns:a16="http://schemas.microsoft.com/office/drawing/2014/main" id="{0F514A94-D0C6-5790-3191-73E2609FC0FA}"/>
+              </a:ext>
+            </a:extLst>
+          </p:cNvPr>
+          <p:cNvSpPr>
+            <a:spLocks noGrp="1"/>
+          </p:cNvSpPr>
+          <p:nvPr>
+            <p:ph type="title"/>
+          </p:nvPr>
+        </p:nvSpPr>
+        <p:spPr/>
+        <p:txBody>
+          <a:bodyPr/>
+          <a:lstStyle/>
+          <a:p>
+            <a:r>
+              <a:rPr lang="ko-KR" altLang="en-US"/>
+              <a:t>결론</a:t>
+            </a:r>
+            <a:endParaRPr lang="en-US"/>
+          </a:p>
+        </p:txBody>
+      </p:sp>
+      <p:pic>
+        <p:nvPicPr>
+          <p:cNvPr id="6" name="그림 5">
+            <a:extLst>
+              <a:ext uri="{FF2B5EF4-FFF2-40B4-BE49-F238E27FC236}">
+                <a16:creationId xmlns:a16="http://schemas.microsoft.com/office/drawing/2014/main" id="{778A11C1-8DAC-9081-B193-AFDFDD7B43A0}"/>
+              </a:ext>
+            </a:extLst>
+          </p:cNvPr>
+          <p:cNvPicPr>
+            <a:picLocks noChangeAspect="1"/>
+          </p:cNvPicPr>
+          <p:nvPr/>
+        </p:nvPicPr>
+        <p:blipFill>
+          <a:blip r:embed="rId2"/>
+          <a:stretch>
+            <a:fillRect/>
+          </a:stretch>
+        </p:blipFill>
+        <p:spPr>
+          <a:xfrm>
+            <a:off x="864830" y="4807974"/>
+            <a:ext cx="4489587" cy="845573"/>
+          </a:xfrm>
+          <a:prstGeom prst="rect">
+            <a:avLst/>
+          </a:prstGeom>
+        </p:spPr>
+      </p:pic>
+    </p:spTree>
+    <p:extLst>
+      <p:ext uri="{BB962C8B-B14F-4D97-AF65-F5344CB8AC3E}">
+        <p14:creationId xmlns:p14="http://schemas.microsoft.com/office/powerpoint/2010/main" val="845424874"/>
+      </p:ext>
+    </p:extLst>
+  </p:cSld>
+  <p:clrMapOvr>
+    <a:masterClrMapping/>
+  </p:clrMapOvr>
+</p:sld>
+</file>
+
+<file path=ppt/slides/slide37.xml><?xml version="1.0" encoding="utf-8"?>
+<p:sld xmlns:a="http://schemas.openxmlformats.org/drawingml/2006/main" xmlns:r="http://schemas.openxmlformats.org/officeDocument/2006/relationships" xmlns:p="http://schemas.openxmlformats.org/presentationml/2006/main">
+  <p:cSld>
+    <p:spTree>
+      <p:nvGrpSpPr>
+        <p:cNvPr id="1" name=""/>
+        <p:cNvGrpSpPr/>
+        <p:nvPr/>
+      </p:nvGrpSpPr>
+      <p:grpSpPr>
+        <a:xfrm>
+          <a:off x="0" y="0"/>
+          <a:ext cx="0" cy="0"/>
+          <a:chOff x="0" y="0"/>
+          <a:chExt cx="0" cy="0"/>
+        </a:xfrm>
+      </p:grpSpPr>
+      <p:sp>
+        <p:nvSpPr>
+          <p:cNvPr id="2" name="내용 개체 틀 1">
+            <a:extLst>
+              <a:ext uri="{FF2B5EF4-FFF2-40B4-BE49-F238E27FC236}">
+                <a16:creationId xmlns:a16="http://schemas.microsoft.com/office/drawing/2014/main" id="{1B99CF3B-A598-21CE-E432-7F12D349035D}"/>
+              </a:ext>
+            </a:extLst>
+          </p:cNvPr>
+          <p:cNvSpPr>
+            <a:spLocks noGrp="1"/>
+          </p:cNvSpPr>
+          <p:nvPr>
+            <p:ph idx="1"/>
+          </p:nvPr>
+        </p:nvSpPr>
+        <p:spPr/>
+        <p:txBody>
+          <a:bodyPr/>
+          <a:lstStyle/>
+          <a:p>
+            <a:r>
+              <a:rPr lang="en-US"/>
+              <a:t>Quartus II</a:t>
+            </a:r>
+            <a:r>
+              <a:rPr lang="ko-KR" altLang="en-US"/>
+              <a:t> 요약</a:t>
+            </a:r>
+            <a:endParaRPr lang="en-US" altLang="ko-KR"/>
+          </a:p>
+          <a:p>
+            <a:endParaRPr lang="en-US" altLang="ko-KR"/>
+          </a:p>
+          <a:p>
+            <a:endParaRPr lang="en-US" altLang="ko-KR"/>
+          </a:p>
+          <a:p>
+            <a:endParaRPr lang="en-US" altLang="ko-KR"/>
+          </a:p>
+          <a:p>
+            <a:endParaRPr lang="en-US" altLang="ko-KR"/>
+          </a:p>
+          <a:p>
+            <a:endParaRPr lang="en-US" altLang="ko-KR"/>
+          </a:p>
+          <a:p>
+            <a:endParaRPr lang="en-US"/>
+          </a:p>
+        </p:txBody>
+      </p:sp>
+      <p:sp>
+        <p:nvSpPr>
+          <p:cNvPr id="3" name="슬라이드 번호 개체 틀 2">
+            <a:extLst>
+              <a:ext uri="{FF2B5EF4-FFF2-40B4-BE49-F238E27FC236}">
+                <a16:creationId xmlns:a16="http://schemas.microsoft.com/office/drawing/2014/main" id="{73DCBAAB-75B5-F3C8-144B-F1B0433A8E24}"/>
+              </a:ext>
+            </a:extLst>
+          </p:cNvPr>
+          <p:cNvSpPr>
+            <a:spLocks noGrp="1"/>
+          </p:cNvSpPr>
+          <p:nvPr>
+            <p:ph type="sldNum" sz="quarter" idx="12"/>
+          </p:nvPr>
+        </p:nvSpPr>
+        <p:spPr/>
+        <p:txBody>
+          <a:bodyPr/>
+          <a:lstStyle/>
+          <a:p>
+            <a:fld id="{0D2C6ACC-C63B-484F-9F1A-C33FE2250CD5}" type="slidenum">
+              <a:rPr lang="ko-KR" altLang="en-US" smtClean="0"/>
+              <a:pPr/>
+              <a:t>37</a:t>
+            </a:fld>
+            <a:endParaRPr lang="ko-KR" altLang="en-US" dirty="0"/>
+          </a:p>
+        </p:txBody>
+      </p:sp>
+      <p:sp>
+        <p:nvSpPr>
+          <p:cNvPr id="4" name="제목 3">
+            <a:extLst>
+              <a:ext uri="{FF2B5EF4-FFF2-40B4-BE49-F238E27FC236}">
+                <a16:creationId xmlns:a16="http://schemas.microsoft.com/office/drawing/2014/main" id="{B4864925-0C16-B185-114C-FF79A575B8B9}"/>
+              </a:ext>
+            </a:extLst>
+          </p:cNvPr>
+          <p:cNvSpPr>
+            <a:spLocks noGrp="1"/>
+          </p:cNvSpPr>
+          <p:nvPr>
+            <p:ph type="title"/>
+          </p:nvPr>
+        </p:nvSpPr>
+        <p:spPr/>
+        <p:txBody>
+          <a:bodyPr/>
+          <a:lstStyle/>
+          <a:p>
+            <a:r>
+              <a:rPr lang="ko-KR" altLang="en-US"/>
+              <a:t>결론</a:t>
+            </a:r>
+            <a:endParaRPr lang="en-US"/>
+          </a:p>
+        </p:txBody>
+      </p:sp>
+      <p:pic>
+        <p:nvPicPr>
+          <p:cNvPr id="6" name="그림 5">
+            <a:extLst>
+              <a:ext uri="{FF2B5EF4-FFF2-40B4-BE49-F238E27FC236}">
+                <a16:creationId xmlns:a16="http://schemas.microsoft.com/office/drawing/2014/main" id="{B2D6647D-15CD-84BF-6405-78CCD9DBC5B9}"/>
+              </a:ext>
+            </a:extLst>
+          </p:cNvPr>
+          <p:cNvPicPr>
+            <a:picLocks noChangeAspect="1"/>
+          </p:cNvPicPr>
+          <p:nvPr/>
+        </p:nvPicPr>
+        <p:blipFill>
+          <a:blip r:embed="rId2"/>
+          <a:stretch>
+            <a:fillRect/>
+          </a:stretch>
+        </p:blipFill>
+        <p:spPr>
+          <a:xfrm>
+            <a:off x="623992" y="2373372"/>
+            <a:ext cx="2996953" cy="2111256"/>
+          </a:xfrm>
+          <a:prstGeom prst="rect">
+            <a:avLst/>
+          </a:prstGeom>
+        </p:spPr>
+      </p:pic>
+      <p:pic>
+        <p:nvPicPr>
+          <p:cNvPr id="7" name="그림 6">
+            <a:extLst>
+              <a:ext uri="{FF2B5EF4-FFF2-40B4-BE49-F238E27FC236}">
+                <a16:creationId xmlns:a16="http://schemas.microsoft.com/office/drawing/2014/main" id="{9E9BCBE2-CAFF-4048-8A60-AD888954184B}"/>
+              </a:ext>
+            </a:extLst>
+          </p:cNvPr>
+          <p:cNvPicPr>
+            <a:picLocks noChangeAspect="1"/>
+          </p:cNvPicPr>
+          <p:nvPr/>
+        </p:nvPicPr>
+        <p:blipFill>
+          <a:blip r:embed="rId3"/>
+          <a:stretch>
+            <a:fillRect/>
+          </a:stretch>
+        </p:blipFill>
+        <p:spPr>
+          <a:xfrm>
+            <a:off x="4737747" y="2341061"/>
+            <a:ext cx="3030561" cy="2143567"/>
+          </a:xfrm>
+          <a:prstGeom prst="rect">
+            <a:avLst/>
+          </a:prstGeom>
+        </p:spPr>
+      </p:pic>
+      <p:sp>
+        <p:nvSpPr>
+          <p:cNvPr id="5" name="TextBox 4">
+            <a:extLst>
+              <a:ext uri="{FF2B5EF4-FFF2-40B4-BE49-F238E27FC236}">
+                <a16:creationId xmlns:a16="http://schemas.microsoft.com/office/drawing/2014/main" id="{7FD6CB51-2245-8644-E9DA-131353491064}"/>
+              </a:ext>
+            </a:extLst>
+          </p:cNvPr>
+          <p:cNvSpPr txBox="1"/>
+          <p:nvPr/>
+        </p:nvSpPr>
+        <p:spPr>
+          <a:xfrm>
+            <a:off x="1799304" y="1812474"/>
+            <a:ext cx="646331" cy="369332"/>
+          </a:xfrm>
+          <a:prstGeom prst="rect">
+            <a:avLst/>
+          </a:prstGeom>
+          <a:noFill/>
+        </p:spPr>
+        <p:txBody>
+          <a:bodyPr wrap="none" rtlCol="0">
+            <a:spAutoFit/>
+          </a:bodyPr>
+          <a:lstStyle/>
+          <a:p>
+            <a:r>
+              <a:rPr lang="ko-KR" altLang="en-US">
+                <a:latin typeface="Times New Roman" panose="02020603050405020304" pitchFamily="18" charset="0"/>
+                <a:ea typeface="맑은 고딕" panose="020B0503020000020004" pitchFamily="50" charset="-127"/>
+              </a:rPr>
+              <a:t>기존</a:t>
+            </a:r>
+            <a:endParaRPr lang="en-US" dirty="0" err="1">
+              <a:latin typeface="Times New Roman" panose="02020603050405020304" pitchFamily="18" charset="0"/>
+              <a:ea typeface="맑은 고딕" panose="020B0503020000020004" pitchFamily="50" charset="-127"/>
+            </a:endParaRPr>
+          </a:p>
+        </p:txBody>
+      </p:sp>
+      <p:sp>
+        <p:nvSpPr>
+          <p:cNvPr id="8" name="TextBox 7">
+            <a:extLst>
+              <a:ext uri="{FF2B5EF4-FFF2-40B4-BE49-F238E27FC236}">
+                <a16:creationId xmlns:a16="http://schemas.microsoft.com/office/drawing/2014/main" id="{CCAF855E-5CFC-8998-074D-1E9D33494869}"/>
+              </a:ext>
+            </a:extLst>
+          </p:cNvPr>
+          <p:cNvSpPr txBox="1"/>
+          <p:nvPr/>
+        </p:nvSpPr>
+        <p:spPr>
+          <a:xfrm>
+            <a:off x="5666195" y="1812474"/>
+            <a:ext cx="877163" cy="369332"/>
+          </a:xfrm>
+          <a:prstGeom prst="rect">
+            <a:avLst/>
+          </a:prstGeom>
+          <a:noFill/>
+        </p:spPr>
+        <p:txBody>
+          <a:bodyPr wrap="none" rtlCol="0">
+            <a:spAutoFit/>
+          </a:bodyPr>
+          <a:lstStyle/>
+          <a:p>
+            <a:r>
+              <a:rPr lang="ko-KR" altLang="en-US">
+                <a:latin typeface="Times New Roman" panose="02020603050405020304" pitchFamily="18" charset="0"/>
+                <a:ea typeface="맑은 고딕" panose="020B0503020000020004" pitchFamily="50" charset="-127"/>
+              </a:rPr>
+              <a:t>최소화</a:t>
+            </a:r>
+            <a:endParaRPr lang="en-US" dirty="0" err="1">
+              <a:latin typeface="Times New Roman" panose="02020603050405020304" pitchFamily="18" charset="0"/>
+              <a:ea typeface="맑은 고딕" panose="020B0503020000020004" pitchFamily="50" charset="-127"/>
+            </a:endParaRPr>
+          </a:p>
+        </p:txBody>
+      </p:sp>
+    </p:spTree>
+    <p:extLst>
+      <p:ext uri="{BB962C8B-B14F-4D97-AF65-F5344CB8AC3E}">
+        <p14:creationId xmlns:p14="http://schemas.microsoft.com/office/powerpoint/2010/main" val="2792646398"/>
+      </p:ext>
+    </p:extLst>
+  </p:cSld>
+  <p:clrMapOvr>
+    <a:masterClrMapping/>
+  </p:clrMapOvr>
+</p:sld>
+</file>
+
+<file path=ppt/slides/slide38.xml><?xml version="1.0" encoding="utf-8"?>
+<p:sld xmlns:a="http://schemas.openxmlformats.org/drawingml/2006/main" xmlns:r="http://schemas.openxmlformats.org/officeDocument/2006/relationships" xmlns:p="http://schemas.openxmlformats.org/presentationml/2006/main">
+  <p:cSld>
+    <p:spTree>
+      <p:nvGrpSpPr>
+        <p:cNvPr id="1" name=""/>
+        <p:cNvGrpSpPr/>
+        <p:nvPr/>
+      </p:nvGrpSpPr>
+      <p:grpSpPr>
+        <a:xfrm>
+          <a:off x="0" y="0"/>
+          <a:ext cx="0" cy="0"/>
+          <a:chOff x="0" y="0"/>
+          <a:chExt cx="0" cy="0"/>
+        </a:xfrm>
+      </p:grpSpPr>
+      <p:sp>
+        <p:nvSpPr>
+          <p:cNvPr id="2" name="내용 개체 틀 1">
+            <a:extLst>
+              <a:ext uri="{FF2B5EF4-FFF2-40B4-BE49-F238E27FC236}">
+                <a16:creationId xmlns:a16="http://schemas.microsoft.com/office/drawing/2014/main" id="{7F1F8EE7-F8EA-E661-E2AB-B6DF8857DFC5}"/>
+              </a:ext>
+            </a:extLst>
+          </p:cNvPr>
+          <p:cNvSpPr>
+            <a:spLocks noGrp="1"/>
+          </p:cNvSpPr>
+          <p:nvPr>
+            <p:ph idx="1"/>
+          </p:nvPr>
+        </p:nvSpPr>
+        <p:spPr/>
+        <p:txBody>
+          <a:bodyPr/>
+          <a:lstStyle/>
+          <a:p>
+            <a:r>
+              <a:rPr lang="ko-KR" altLang="en-US"/>
+              <a:t>합성</a:t>
+            </a:r>
+            <a:endParaRPr lang="en-US"/>
+          </a:p>
+        </p:txBody>
+      </p:sp>
+      <p:sp>
+        <p:nvSpPr>
+          <p:cNvPr id="3" name="슬라이드 번호 개체 틀 2">
+            <a:extLst>
+              <a:ext uri="{FF2B5EF4-FFF2-40B4-BE49-F238E27FC236}">
+                <a16:creationId xmlns:a16="http://schemas.microsoft.com/office/drawing/2014/main" id="{369DE04D-5C3C-9F20-27AF-27E2E4B236EE}"/>
+              </a:ext>
+            </a:extLst>
+          </p:cNvPr>
+          <p:cNvSpPr>
+            <a:spLocks noGrp="1"/>
+          </p:cNvSpPr>
+          <p:nvPr>
+            <p:ph type="sldNum" sz="quarter" idx="12"/>
+          </p:nvPr>
+        </p:nvSpPr>
+        <p:spPr/>
+        <p:txBody>
+          <a:bodyPr/>
+          <a:lstStyle/>
+          <a:p>
+            <a:fld id="{0D2C6ACC-C63B-484F-9F1A-C33FE2250CD5}" type="slidenum">
+              <a:rPr lang="ko-KR" altLang="en-US" smtClean="0"/>
+              <a:pPr/>
+              <a:t>38</a:t>
+            </a:fld>
+            <a:endParaRPr lang="ko-KR" altLang="en-US" dirty="0"/>
+          </a:p>
+        </p:txBody>
+      </p:sp>
+      <p:sp>
+        <p:nvSpPr>
+          <p:cNvPr id="4" name="제목 3">
+            <a:extLst>
+              <a:ext uri="{FF2B5EF4-FFF2-40B4-BE49-F238E27FC236}">
+                <a16:creationId xmlns:a16="http://schemas.microsoft.com/office/drawing/2014/main" id="{72DD01C4-BE32-FFD2-70D5-769416C06AA7}"/>
+              </a:ext>
+            </a:extLst>
+          </p:cNvPr>
+          <p:cNvSpPr>
+            <a:spLocks noGrp="1"/>
+          </p:cNvSpPr>
+          <p:nvPr>
+            <p:ph type="title"/>
+          </p:nvPr>
+        </p:nvSpPr>
+        <p:spPr/>
+        <p:txBody>
+          <a:bodyPr/>
+          <a:lstStyle/>
+          <a:p>
+            <a:r>
+              <a:rPr lang="ko-KR" altLang="en-US"/>
+              <a:t>결론</a:t>
+            </a:r>
+            <a:endParaRPr lang="en-US"/>
+          </a:p>
+        </p:txBody>
+      </p:sp>
+      <p:pic>
+        <p:nvPicPr>
+          <p:cNvPr id="5" name="그림 4">
+            <a:extLst>
+              <a:ext uri="{FF2B5EF4-FFF2-40B4-BE49-F238E27FC236}">
+                <a16:creationId xmlns:a16="http://schemas.microsoft.com/office/drawing/2014/main" id="{76EAFB28-1AC2-CC9E-9399-688320A2C50F}"/>
+              </a:ext>
+            </a:extLst>
+          </p:cNvPr>
+          <p:cNvPicPr>
+            <a:picLocks noChangeAspect="1"/>
+          </p:cNvPicPr>
+          <p:nvPr/>
+        </p:nvPicPr>
+        <p:blipFill>
+          <a:blip r:embed="rId2"/>
+          <a:stretch>
+            <a:fillRect/>
+          </a:stretch>
+        </p:blipFill>
+        <p:spPr>
+          <a:xfrm>
+            <a:off x="668988" y="2302581"/>
+            <a:ext cx="4735034" cy="3492738"/>
+          </a:xfrm>
+          <a:prstGeom prst="rect">
+            <a:avLst/>
+          </a:prstGeom>
+        </p:spPr>
+      </p:pic>
+      <p:pic>
+        <p:nvPicPr>
+          <p:cNvPr id="8" name="그림 7">
+            <a:extLst>
+              <a:ext uri="{FF2B5EF4-FFF2-40B4-BE49-F238E27FC236}">
+                <a16:creationId xmlns:a16="http://schemas.microsoft.com/office/drawing/2014/main" id="{D5BB9E96-E21A-F5D6-DA2E-11C6540D5B1A}"/>
+              </a:ext>
+            </a:extLst>
+          </p:cNvPr>
+          <p:cNvPicPr>
+            <a:picLocks noChangeAspect="1"/>
+          </p:cNvPicPr>
+          <p:nvPr/>
+        </p:nvPicPr>
+        <p:blipFill>
+          <a:blip r:embed="rId3"/>
+          <a:stretch>
+            <a:fillRect/>
+          </a:stretch>
+        </p:blipFill>
+        <p:spPr>
+          <a:xfrm>
+            <a:off x="5838233" y="2302581"/>
+            <a:ext cx="5429245" cy="1594988"/>
+          </a:xfrm>
+          <a:prstGeom prst="rect">
+            <a:avLst/>
+          </a:prstGeom>
+        </p:spPr>
+      </p:pic>
+      <p:sp>
+        <p:nvSpPr>
+          <p:cNvPr id="9" name="TextBox 8">
+            <a:extLst>
+              <a:ext uri="{FF2B5EF4-FFF2-40B4-BE49-F238E27FC236}">
+                <a16:creationId xmlns:a16="http://schemas.microsoft.com/office/drawing/2014/main" id="{3819D07A-B4BB-F689-3670-8380E8FA856E}"/>
+              </a:ext>
+            </a:extLst>
+          </p:cNvPr>
+          <p:cNvSpPr txBox="1"/>
+          <p:nvPr/>
+        </p:nvSpPr>
+        <p:spPr>
+          <a:xfrm>
+            <a:off x="2713339" y="1812474"/>
+            <a:ext cx="646331" cy="369332"/>
+          </a:xfrm>
+          <a:prstGeom prst="rect">
+            <a:avLst/>
+          </a:prstGeom>
+          <a:noFill/>
+        </p:spPr>
+        <p:txBody>
+          <a:bodyPr wrap="none" rtlCol="0">
+            <a:spAutoFit/>
+          </a:bodyPr>
+          <a:lstStyle/>
+          <a:p>
+            <a:r>
+              <a:rPr lang="ko-KR" altLang="en-US">
+                <a:latin typeface="Times New Roman" panose="02020603050405020304" pitchFamily="18" charset="0"/>
+                <a:ea typeface="맑은 고딕" panose="020B0503020000020004" pitchFamily="50" charset="-127"/>
+              </a:rPr>
+              <a:t>기존</a:t>
+            </a:r>
+            <a:endParaRPr lang="en-US" dirty="0" err="1">
+              <a:latin typeface="Times New Roman" panose="02020603050405020304" pitchFamily="18" charset="0"/>
+              <a:ea typeface="맑은 고딕" panose="020B0503020000020004" pitchFamily="50" charset="-127"/>
+            </a:endParaRPr>
+          </a:p>
+        </p:txBody>
+      </p:sp>
+      <p:sp>
+        <p:nvSpPr>
+          <p:cNvPr id="10" name="TextBox 9">
+            <a:extLst>
+              <a:ext uri="{FF2B5EF4-FFF2-40B4-BE49-F238E27FC236}">
+                <a16:creationId xmlns:a16="http://schemas.microsoft.com/office/drawing/2014/main" id="{AA779CE4-4FC6-E3E6-E61C-B5921E24B72E}"/>
+              </a:ext>
+            </a:extLst>
+          </p:cNvPr>
+          <p:cNvSpPr txBox="1"/>
+          <p:nvPr/>
+        </p:nvSpPr>
+        <p:spPr>
+          <a:xfrm>
+            <a:off x="8114273" y="1812474"/>
+            <a:ext cx="877163" cy="369332"/>
+          </a:xfrm>
+          <a:prstGeom prst="rect">
+            <a:avLst/>
+          </a:prstGeom>
+          <a:noFill/>
+        </p:spPr>
+        <p:txBody>
+          <a:bodyPr wrap="none" rtlCol="0">
+            <a:spAutoFit/>
+          </a:bodyPr>
+          <a:lstStyle/>
+          <a:p>
+            <a:r>
+              <a:rPr lang="ko-KR" altLang="en-US">
+                <a:latin typeface="Times New Roman" panose="02020603050405020304" pitchFamily="18" charset="0"/>
+                <a:ea typeface="맑은 고딕" panose="020B0503020000020004" pitchFamily="50" charset="-127"/>
+              </a:rPr>
+              <a:t>최소화</a:t>
+            </a:r>
+            <a:endParaRPr lang="en-US" dirty="0" err="1">
+              <a:latin typeface="Times New Roman" panose="02020603050405020304" pitchFamily="18" charset="0"/>
+              <a:ea typeface="맑은 고딕" panose="020B0503020000020004" pitchFamily="50" charset="-127"/>
+            </a:endParaRPr>
+          </a:p>
+        </p:txBody>
+      </p:sp>
+      <p:sp>
+        <p:nvSpPr>
+          <p:cNvPr id="11" name="직사각형 10">
+            <a:extLst>
+              <a:ext uri="{FF2B5EF4-FFF2-40B4-BE49-F238E27FC236}">
+                <a16:creationId xmlns:a16="http://schemas.microsoft.com/office/drawing/2014/main" id="{4A8A4B60-B396-AC9F-97DE-FEA0F13A3ECC}"/>
+              </a:ext>
+            </a:extLst>
+          </p:cNvPr>
+          <p:cNvSpPr/>
+          <p:nvPr/>
+        </p:nvSpPr>
+        <p:spPr bwMode="auto">
+          <a:xfrm>
+            <a:off x="8855765" y="3682314"/>
+            <a:ext cx="695739" cy="215255"/>
+          </a:xfrm>
+          <a:prstGeom prst="rect">
+            <a:avLst/>
+          </a:prstGeom>
+          <a:noFill/>
+          <a:ln w="28575">
+            <a:solidFill>
+              <a:srgbClr val="FF0000"/>
+            </a:solidFill>
+          </a:ln>
+          <a:effectLst/>
+        </p:spPr>
+        <p:style>
+          <a:lnRef idx="2">
+            <a:schemeClr val="accent1">
+              <a:shade val="50000"/>
+            </a:schemeClr>
+          </a:lnRef>
+          <a:fillRef idx="1">
+            <a:schemeClr val="accent1"/>
+          </a:fillRef>
+          <a:effectRef idx="0">
+            <a:schemeClr val="accent1"/>
+          </a:effectRef>
+          <a:fontRef idx="minor">
+            <a:schemeClr val="lt1"/>
+          </a:fontRef>
+        </p:style>
+        <p:txBody>
+          <a:bodyPr lIns="144000" tIns="72000" rIns="144000" bIns="72000" rtlCol="0" anchor="ctr"/>
+          <a:lstStyle/>
+          <a:p>
+            <a:pPr marL="0" algn="ctr"/>
+            <a:endParaRPr lang="en-US" sz="2000">
+              <a:solidFill>
+                <a:schemeClr val="tx1"/>
+              </a:solidFill>
+              <a:latin typeface="Times New Roman" panose="02020603050405020304" pitchFamily="18" charset="0"/>
+              <a:ea typeface="맑은 고딕" panose="020B0503020000020004" pitchFamily="50" charset="-127"/>
+            </a:endParaRPr>
+          </a:p>
+        </p:txBody>
+      </p:sp>
+      <p:sp>
+        <p:nvSpPr>
+          <p:cNvPr id="12" name="직사각형 11">
+            <a:extLst>
+              <a:ext uri="{FF2B5EF4-FFF2-40B4-BE49-F238E27FC236}">
+                <a16:creationId xmlns:a16="http://schemas.microsoft.com/office/drawing/2014/main" id="{DB758FB7-0C84-FC81-FABF-2E83A456C339}"/>
+              </a:ext>
+            </a:extLst>
+          </p:cNvPr>
+          <p:cNvSpPr/>
+          <p:nvPr/>
+        </p:nvSpPr>
+        <p:spPr bwMode="auto">
+          <a:xfrm>
+            <a:off x="3126349" y="5580064"/>
+            <a:ext cx="695739" cy="215255"/>
+          </a:xfrm>
+          <a:prstGeom prst="rect">
+            <a:avLst/>
+          </a:prstGeom>
+          <a:noFill/>
+          <a:ln w="28575">
+            <a:solidFill>
+              <a:srgbClr val="FF0000"/>
+            </a:solidFill>
+          </a:ln>
+          <a:effectLst/>
+        </p:spPr>
+        <p:style>
+          <a:lnRef idx="2">
+            <a:schemeClr val="accent1">
+              <a:shade val="50000"/>
+            </a:schemeClr>
+          </a:lnRef>
+          <a:fillRef idx="1">
+            <a:schemeClr val="accent1"/>
+          </a:fillRef>
+          <a:effectRef idx="0">
+            <a:schemeClr val="accent1"/>
+          </a:effectRef>
+          <a:fontRef idx="minor">
+            <a:schemeClr val="lt1"/>
+          </a:fontRef>
+        </p:style>
+        <p:txBody>
+          <a:bodyPr lIns="144000" tIns="72000" rIns="144000" bIns="72000" rtlCol="0" anchor="ctr"/>
+          <a:lstStyle/>
+          <a:p>
+            <a:pPr marL="0" algn="ctr"/>
+            <a:endParaRPr lang="en-US" sz="2000">
+              <a:solidFill>
+                <a:schemeClr val="tx1"/>
+              </a:solidFill>
+              <a:latin typeface="Times New Roman" panose="02020603050405020304" pitchFamily="18" charset="0"/>
+              <a:ea typeface="맑은 고딕" panose="020B0503020000020004" pitchFamily="50" charset="-127"/>
+            </a:endParaRPr>
+          </a:p>
+        </p:txBody>
+      </p:sp>
+    </p:spTree>
+    <p:extLst>
+      <p:ext uri="{BB962C8B-B14F-4D97-AF65-F5344CB8AC3E}">
+        <p14:creationId xmlns:p14="http://schemas.microsoft.com/office/powerpoint/2010/main" val="290752755"/>
+      </p:ext>
+    </p:extLst>
+  </p:cSld>
+  <p:clrMapOvr>
+    <a:masterClrMapping/>
+  </p:clrMapOvr>
+</p:sld>
+</file>
+
+<file path=ppt/slides/slide39.xml><?xml version="1.0" encoding="utf-8"?>
+<p:sld xmlns:a="http://schemas.openxmlformats.org/drawingml/2006/main" xmlns:r="http://schemas.openxmlformats.org/officeDocument/2006/relationships" xmlns:p="http://schemas.openxmlformats.org/presentationml/2006/main">
+  <p:cSld>
+    <p:spTree>
+      <p:nvGrpSpPr>
+        <p:cNvPr id="1" name=""/>
+        <p:cNvGrpSpPr/>
+        <p:nvPr/>
+      </p:nvGrpSpPr>
+      <p:grpSpPr>
+        <a:xfrm>
+          <a:off x="0" y="0"/>
+          <a:ext cx="0" cy="0"/>
+          <a:chOff x="0" y="0"/>
+          <a:chExt cx="0" cy="0"/>
+        </a:xfrm>
+      </p:grpSpPr>
+      <p:sp>
+        <p:nvSpPr>
+          <p:cNvPr id="2" name="내용 개체 틀 1">
+            <a:extLst>
+              <a:ext uri="{FF2B5EF4-FFF2-40B4-BE49-F238E27FC236}">
+                <a16:creationId xmlns:a16="http://schemas.microsoft.com/office/drawing/2014/main" id="{7F1F8EE7-F8EA-E661-E2AB-B6DF8857DFC5}"/>
+              </a:ext>
+            </a:extLst>
+          </p:cNvPr>
+          <p:cNvSpPr>
+            <a:spLocks noGrp="1"/>
+          </p:cNvSpPr>
+          <p:nvPr>
+            <p:ph idx="1"/>
+          </p:nvPr>
+        </p:nvSpPr>
+        <p:spPr/>
+        <p:txBody>
+          <a:bodyPr/>
+          <a:lstStyle/>
+          <a:p>
+            <a:r>
+              <a:rPr lang="ko-KR" altLang="en-US"/>
+              <a:t>합성</a:t>
+            </a:r>
+            <a:endParaRPr lang="en-US"/>
+          </a:p>
+        </p:txBody>
+      </p:sp>
+      <p:sp>
+        <p:nvSpPr>
+          <p:cNvPr id="3" name="슬라이드 번호 개체 틀 2">
+            <a:extLst>
+              <a:ext uri="{FF2B5EF4-FFF2-40B4-BE49-F238E27FC236}">
+                <a16:creationId xmlns:a16="http://schemas.microsoft.com/office/drawing/2014/main" id="{369DE04D-5C3C-9F20-27AF-27E2E4B236EE}"/>
+              </a:ext>
+            </a:extLst>
+          </p:cNvPr>
+          <p:cNvSpPr>
+            <a:spLocks noGrp="1"/>
+          </p:cNvSpPr>
+          <p:nvPr>
+            <p:ph type="sldNum" sz="quarter" idx="12"/>
+          </p:nvPr>
+        </p:nvSpPr>
+        <p:spPr/>
+        <p:txBody>
+          <a:bodyPr/>
+          <a:lstStyle/>
+          <a:p>
+            <a:fld id="{0D2C6ACC-C63B-484F-9F1A-C33FE2250CD5}" type="slidenum">
+              <a:rPr lang="ko-KR" altLang="en-US" smtClean="0"/>
+              <a:pPr/>
+              <a:t>39</a:t>
+            </a:fld>
+            <a:endParaRPr lang="ko-KR" altLang="en-US" dirty="0"/>
+          </a:p>
+        </p:txBody>
+      </p:sp>
+      <p:sp>
+        <p:nvSpPr>
+          <p:cNvPr id="4" name="제목 3">
+            <a:extLst>
+              <a:ext uri="{FF2B5EF4-FFF2-40B4-BE49-F238E27FC236}">
+                <a16:creationId xmlns:a16="http://schemas.microsoft.com/office/drawing/2014/main" id="{72DD01C4-BE32-FFD2-70D5-769416C06AA7}"/>
+              </a:ext>
+            </a:extLst>
+          </p:cNvPr>
+          <p:cNvSpPr>
+            <a:spLocks noGrp="1"/>
+          </p:cNvSpPr>
+          <p:nvPr>
+            <p:ph type="title"/>
+          </p:nvPr>
+        </p:nvSpPr>
+        <p:spPr/>
+        <p:txBody>
+          <a:bodyPr/>
+          <a:lstStyle/>
+          <a:p>
+            <a:r>
+              <a:rPr lang="ko-KR" altLang="en-US"/>
+              <a:t>결론</a:t>
+            </a:r>
+            <a:endParaRPr lang="en-US"/>
+          </a:p>
+        </p:txBody>
+      </p:sp>
+      <p:pic>
+        <p:nvPicPr>
+          <p:cNvPr id="7" name="그림 6">
+            <a:extLst>
+              <a:ext uri="{FF2B5EF4-FFF2-40B4-BE49-F238E27FC236}">
+                <a16:creationId xmlns:a16="http://schemas.microsoft.com/office/drawing/2014/main" id="{4D3ED518-A18B-C6C1-D13B-AC5F97D55204}"/>
+              </a:ext>
+            </a:extLst>
+          </p:cNvPr>
+          <p:cNvPicPr>
+            <a:picLocks noChangeAspect="1"/>
+          </p:cNvPicPr>
+          <p:nvPr/>
+        </p:nvPicPr>
+        <p:blipFill>
+          <a:blip r:embed="rId2"/>
+          <a:stretch>
+            <a:fillRect/>
+          </a:stretch>
+        </p:blipFill>
+        <p:spPr>
+          <a:xfrm>
+            <a:off x="922891" y="2185814"/>
+            <a:ext cx="3077004" cy="2486372"/>
+          </a:xfrm>
+          <a:prstGeom prst="rect">
+            <a:avLst/>
+          </a:prstGeom>
+        </p:spPr>
+      </p:pic>
+      <p:pic>
+        <p:nvPicPr>
+          <p:cNvPr id="8" name="그림 7">
+            <a:extLst>
+              <a:ext uri="{FF2B5EF4-FFF2-40B4-BE49-F238E27FC236}">
+                <a16:creationId xmlns:a16="http://schemas.microsoft.com/office/drawing/2014/main" id="{CD9A1397-4355-189B-4F77-1DBD33F27D1C}"/>
+              </a:ext>
+            </a:extLst>
+          </p:cNvPr>
+          <p:cNvPicPr>
+            <a:picLocks noChangeAspect="1"/>
+          </p:cNvPicPr>
+          <p:nvPr/>
+        </p:nvPicPr>
+        <p:blipFill>
+          <a:blip r:embed="rId3"/>
+          <a:stretch>
+            <a:fillRect/>
+          </a:stretch>
+        </p:blipFill>
+        <p:spPr>
+          <a:xfrm>
+            <a:off x="4764018" y="2166761"/>
+            <a:ext cx="3105583" cy="2524477"/>
+          </a:xfrm>
+          <a:prstGeom prst="rect">
+            <a:avLst/>
+          </a:prstGeom>
+        </p:spPr>
+      </p:pic>
+      <p:sp>
+        <p:nvSpPr>
+          <p:cNvPr id="9" name="TextBox 8">
+            <a:extLst>
+              <a:ext uri="{FF2B5EF4-FFF2-40B4-BE49-F238E27FC236}">
+                <a16:creationId xmlns:a16="http://schemas.microsoft.com/office/drawing/2014/main" id="{23B4D1EE-37EB-D68E-CED3-171CB8F75AF9}"/>
+              </a:ext>
+            </a:extLst>
+          </p:cNvPr>
+          <p:cNvSpPr txBox="1"/>
+          <p:nvPr/>
+        </p:nvSpPr>
+        <p:spPr>
+          <a:xfrm>
+            <a:off x="2138227" y="1811121"/>
+            <a:ext cx="646331" cy="369332"/>
+          </a:xfrm>
+          <a:prstGeom prst="rect">
+            <a:avLst/>
+          </a:prstGeom>
+          <a:noFill/>
+        </p:spPr>
+        <p:txBody>
+          <a:bodyPr wrap="none" rtlCol="0">
+            <a:spAutoFit/>
+          </a:bodyPr>
+          <a:lstStyle/>
+          <a:p>
+            <a:r>
+              <a:rPr lang="ko-KR" altLang="en-US">
+                <a:latin typeface="Times New Roman" panose="02020603050405020304" pitchFamily="18" charset="0"/>
+                <a:ea typeface="맑은 고딕" panose="020B0503020000020004" pitchFamily="50" charset="-127"/>
+              </a:rPr>
+              <a:t>기존</a:t>
+            </a:r>
+            <a:endParaRPr lang="en-US" dirty="0" err="1">
+              <a:latin typeface="Times New Roman" panose="02020603050405020304" pitchFamily="18" charset="0"/>
+              <a:ea typeface="맑은 고딕" panose="020B0503020000020004" pitchFamily="50" charset="-127"/>
+            </a:endParaRPr>
+          </a:p>
+        </p:txBody>
+      </p:sp>
+      <p:sp>
+        <p:nvSpPr>
+          <p:cNvPr id="10" name="TextBox 9">
+            <a:extLst>
+              <a:ext uri="{FF2B5EF4-FFF2-40B4-BE49-F238E27FC236}">
+                <a16:creationId xmlns:a16="http://schemas.microsoft.com/office/drawing/2014/main" id="{35830BBA-FE13-DCDF-0CDB-416406288244}"/>
+              </a:ext>
+            </a:extLst>
+          </p:cNvPr>
+          <p:cNvSpPr txBox="1"/>
+          <p:nvPr/>
+        </p:nvSpPr>
+        <p:spPr>
+          <a:xfrm>
+            <a:off x="5878227" y="1792068"/>
+            <a:ext cx="877163" cy="369332"/>
+          </a:xfrm>
+          <a:prstGeom prst="rect">
+            <a:avLst/>
+          </a:prstGeom>
+          <a:noFill/>
+        </p:spPr>
+        <p:txBody>
+          <a:bodyPr wrap="none" rtlCol="0">
+            <a:spAutoFit/>
+          </a:bodyPr>
+          <a:lstStyle/>
+          <a:p>
+            <a:r>
+              <a:rPr lang="ko-KR" altLang="en-US">
+                <a:latin typeface="Times New Roman" panose="02020603050405020304" pitchFamily="18" charset="0"/>
+                <a:ea typeface="맑은 고딕" panose="020B0503020000020004" pitchFamily="50" charset="-127"/>
+              </a:rPr>
+              <a:t>최소화</a:t>
+            </a:r>
+            <a:endParaRPr lang="en-US" dirty="0" err="1">
+              <a:latin typeface="Times New Roman" panose="02020603050405020304" pitchFamily="18" charset="0"/>
+              <a:ea typeface="맑은 고딕" panose="020B0503020000020004" pitchFamily="50" charset="-127"/>
+            </a:endParaRPr>
+          </a:p>
+        </p:txBody>
+      </p:sp>
+      <p:sp>
+        <p:nvSpPr>
+          <p:cNvPr id="11" name="직사각형 10">
+            <a:extLst>
+              <a:ext uri="{FF2B5EF4-FFF2-40B4-BE49-F238E27FC236}">
+                <a16:creationId xmlns:a16="http://schemas.microsoft.com/office/drawing/2014/main" id="{7B28BAC3-532B-C3F2-7597-11E75D8BB8DD}"/>
+              </a:ext>
+            </a:extLst>
+          </p:cNvPr>
+          <p:cNvSpPr/>
+          <p:nvPr/>
+        </p:nvSpPr>
+        <p:spPr bwMode="auto">
+          <a:xfrm>
+            <a:off x="2928640" y="4456931"/>
+            <a:ext cx="695739" cy="215255"/>
+          </a:xfrm>
+          <a:prstGeom prst="rect">
+            <a:avLst/>
+          </a:prstGeom>
+          <a:noFill/>
+          <a:ln w="28575">
+            <a:solidFill>
+              <a:srgbClr val="FF0000"/>
+            </a:solidFill>
+          </a:ln>
+          <a:effectLst/>
+        </p:spPr>
+        <p:style>
+          <a:lnRef idx="2">
+            <a:schemeClr val="accent1">
+              <a:shade val="50000"/>
+            </a:schemeClr>
+          </a:lnRef>
+          <a:fillRef idx="1">
+            <a:schemeClr val="accent1"/>
+          </a:fillRef>
+          <a:effectRef idx="0">
+            <a:schemeClr val="accent1"/>
+          </a:effectRef>
+          <a:fontRef idx="minor">
+            <a:schemeClr val="lt1"/>
+          </a:fontRef>
+        </p:style>
+        <p:txBody>
+          <a:bodyPr lIns="144000" tIns="72000" rIns="144000" bIns="72000" rtlCol="0" anchor="ctr"/>
+          <a:lstStyle/>
+          <a:p>
+            <a:pPr marL="0" algn="ctr"/>
+            <a:endParaRPr lang="en-US" sz="2000">
+              <a:solidFill>
+                <a:schemeClr val="tx1"/>
+              </a:solidFill>
+              <a:latin typeface="Times New Roman" panose="02020603050405020304" pitchFamily="18" charset="0"/>
+              <a:ea typeface="맑은 고딕" panose="020B0503020000020004" pitchFamily="50" charset="-127"/>
+            </a:endParaRPr>
+          </a:p>
+        </p:txBody>
+      </p:sp>
+      <p:sp>
+        <p:nvSpPr>
+          <p:cNvPr id="12" name="직사각형 11">
+            <a:extLst>
+              <a:ext uri="{FF2B5EF4-FFF2-40B4-BE49-F238E27FC236}">
+                <a16:creationId xmlns:a16="http://schemas.microsoft.com/office/drawing/2014/main" id="{1943F21B-7822-FECA-258A-90914801729A}"/>
+              </a:ext>
+            </a:extLst>
+          </p:cNvPr>
+          <p:cNvSpPr/>
+          <p:nvPr/>
+        </p:nvSpPr>
+        <p:spPr bwMode="auto">
+          <a:xfrm>
+            <a:off x="6746883" y="4463369"/>
+            <a:ext cx="695739" cy="215255"/>
+          </a:xfrm>
+          <a:prstGeom prst="rect">
+            <a:avLst/>
+          </a:prstGeom>
+          <a:noFill/>
+          <a:ln w="28575">
+            <a:solidFill>
+              <a:srgbClr val="FF0000"/>
+            </a:solidFill>
+          </a:ln>
+          <a:effectLst/>
+        </p:spPr>
+        <p:style>
+          <a:lnRef idx="2">
+            <a:schemeClr val="accent1">
+              <a:shade val="50000"/>
+            </a:schemeClr>
+          </a:lnRef>
+          <a:fillRef idx="1">
+            <a:schemeClr val="accent1"/>
+          </a:fillRef>
+          <a:effectRef idx="0">
+            <a:schemeClr val="accent1"/>
+          </a:effectRef>
+          <a:fontRef idx="minor">
+            <a:schemeClr val="lt1"/>
+          </a:fontRef>
+        </p:style>
+        <p:txBody>
+          <a:bodyPr lIns="144000" tIns="72000" rIns="144000" bIns="72000" rtlCol="0" anchor="ctr"/>
+          <a:lstStyle/>
+          <a:p>
+            <a:pPr marL="0" algn="ctr"/>
+            <a:endParaRPr lang="en-US" sz="2000">
+              <a:solidFill>
+                <a:schemeClr val="tx1"/>
+              </a:solidFill>
+              <a:latin typeface="Times New Roman" panose="02020603050405020304" pitchFamily="18" charset="0"/>
+              <a:ea typeface="맑은 고딕" panose="020B0503020000020004" pitchFamily="50" charset="-127"/>
+            </a:endParaRPr>
+          </a:p>
+        </p:txBody>
+      </p:sp>
+    </p:spTree>
+    <p:extLst>
+      <p:ext uri="{BB962C8B-B14F-4D97-AF65-F5344CB8AC3E}">
+        <p14:creationId xmlns:p14="http://schemas.microsoft.com/office/powerpoint/2010/main" val="2172665982"/>
+      </p:ext>
+    </p:extLst>
+  </p:cSld>
+  <p:clrMapOvr>
+    <a:masterClrMapping/>
+  </p:clrMapOvr>
+</p:sld>
+</file>
+
+<file path=ppt/slides/slide4.xml><?xml version="1.0" encoding="utf-8"?>
+<p:sld xmlns:a="http://schemas.openxmlformats.org/drawingml/2006/main" xmlns:r="http://schemas.openxmlformats.org/officeDocument/2006/relationships" xmlns:p="http://schemas.openxmlformats.org/presentationml/2006/main">
+  <p:cSld>
+    <p:spTree>
+      <p:nvGrpSpPr>
+        <p:cNvPr id="1" name=""/>
+        <p:cNvGrpSpPr/>
+        <p:nvPr/>
+      </p:nvGrpSpPr>
+      <p:grpSpPr>
+        <a:xfrm>
+          <a:off x="0" y="0"/>
+          <a:ext cx="0" cy="0"/>
+          <a:chOff x="0" y="0"/>
+          <a:chExt cx="0" cy="0"/>
+        </a:xfrm>
+      </p:grpSpPr>
+      <p:sp>
+        <p:nvSpPr>
+          <p:cNvPr id="2" name="내용 개체 틀 1">
+            <a:extLst>
+              <a:ext uri="{FF2B5EF4-FFF2-40B4-BE49-F238E27FC236}">
+                <a16:creationId xmlns:a16="http://schemas.microsoft.com/office/drawing/2014/main" id="{E3FF0860-1347-896E-290D-F8E97853E00C}"/>
+              </a:ext>
+            </a:extLst>
+          </p:cNvPr>
+          <p:cNvSpPr>
+            <a:spLocks noGrp="1"/>
+          </p:cNvSpPr>
+          <p:nvPr>
+            <p:ph idx="1"/>
+          </p:nvPr>
+        </p:nvSpPr>
+        <p:spPr/>
+        <p:txBody>
+          <a:bodyPr/>
+          <a:lstStyle/>
+          <a:p>
+            <a:r>
+              <a:rPr lang="ko-KR" altLang="en-US"/>
+              <a:t>단일 모듈 암복호화</a:t>
+            </a:r>
+            <a:endParaRPr lang="en-US" altLang="ko-KR"/>
+          </a:p>
+          <a:p>
+            <a:pPr lvl="1"/>
+            <a:r>
+              <a:rPr lang="ko-KR" altLang="en-US"/>
+              <a:t>한 모듈에서 암복호화 전부 가능하게 설계 및 구현</a:t>
+            </a:r>
+            <a:endParaRPr lang="en-US" altLang="ko-KR"/>
+          </a:p>
+          <a:p>
+            <a:pPr lvl="1"/>
+            <a:r>
+              <a:rPr lang="en-US"/>
+              <a:t>i_fDec </a:t>
+            </a:r>
+            <a:r>
+              <a:rPr lang="ko-KR" altLang="en-US"/>
+              <a:t>신호를 통해 제어</a:t>
+            </a:r>
+            <a:endParaRPr lang="en-US" altLang="ko-KR"/>
+          </a:p>
+          <a:p>
+            <a:endParaRPr lang="en-US"/>
+          </a:p>
+          <a:p>
+            <a:r>
+              <a:rPr lang="ko-KR" altLang="en-US"/>
+              <a:t>속도 및 구현 효율 우선</a:t>
+            </a:r>
+            <a:endParaRPr lang="en-US" altLang="ko-KR"/>
+          </a:p>
+          <a:p>
+            <a:pPr lvl="1"/>
+            <a:r>
+              <a:rPr lang="ko-KR" altLang="en-US"/>
+              <a:t>하위 모듈 필요한 만큼 사용</a:t>
+            </a:r>
+            <a:endParaRPr lang="en-US" altLang="ko-KR"/>
+          </a:p>
+          <a:p>
+            <a:pPr lvl="1"/>
+            <a:endParaRPr lang="en-US" altLang="ko-KR"/>
+          </a:p>
+          <a:p>
+            <a:r>
+              <a:rPr lang="en-US" altLang="ko-KR"/>
+              <a:t>Test Vector</a:t>
+            </a:r>
+          </a:p>
+          <a:p>
+            <a:pPr lvl="1"/>
+            <a:r>
+              <a:rPr lang="en-US" altLang="ko-KR"/>
+              <a:t>KISA – SEED128 Test Vector </a:t>
+            </a:r>
+            <a:r>
+              <a:rPr lang="ko-KR" altLang="en-US"/>
+              <a:t>사용</a:t>
+            </a:r>
+            <a:endParaRPr lang="en-US" altLang="ko-KR"/>
+          </a:p>
+        </p:txBody>
+      </p:sp>
+      <p:sp>
+        <p:nvSpPr>
+          <p:cNvPr id="3" name="슬라이드 번호 개체 틀 2">
+            <a:extLst>
+              <a:ext uri="{FF2B5EF4-FFF2-40B4-BE49-F238E27FC236}">
+                <a16:creationId xmlns:a16="http://schemas.microsoft.com/office/drawing/2014/main" id="{3BABE260-1A9D-B3F7-AB09-A65E4BC863DF}"/>
+              </a:ext>
+            </a:extLst>
+          </p:cNvPr>
+          <p:cNvSpPr>
+            <a:spLocks noGrp="1"/>
+          </p:cNvSpPr>
+          <p:nvPr>
+            <p:ph type="sldNum" sz="quarter" idx="12"/>
+          </p:nvPr>
+        </p:nvSpPr>
+        <p:spPr/>
+        <p:txBody>
+          <a:bodyPr/>
+          <a:lstStyle/>
+          <a:p>
+            <a:fld id="{0D2C6ACC-C63B-484F-9F1A-C33FE2250CD5}" type="slidenum">
+              <a:rPr lang="ko-KR" altLang="en-US" smtClean="0"/>
+              <a:pPr/>
+              <a:t>4</a:t>
+            </a:fld>
+            <a:endParaRPr lang="ko-KR" altLang="en-US" dirty="0"/>
+          </a:p>
+        </p:txBody>
+      </p:sp>
+      <p:sp>
+        <p:nvSpPr>
+          <p:cNvPr id="4" name="제목 3">
+            <a:extLst>
+              <a:ext uri="{FF2B5EF4-FFF2-40B4-BE49-F238E27FC236}">
+                <a16:creationId xmlns:a16="http://schemas.microsoft.com/office/drawing/2014/main" id="{D7BBF476-1402-E953-780A-7D8EFF30AA2F}"/>
+              </a:ext>
+            </a:extLst>
+          </p:cNvPr>
+          <p:cNvSpPr>
+            <a:spLocks noGrp="1"/>
+          </p:cNvSpPr>
+          <p:nvPr>
+            <p:ph type="title"/>
+          </p:nvPr>
+        </p:nvSpPr>
+        <p:spPr/>
+        <p:txBody>
+          <a:bodyPr/>
+          <a:lstStyle/>
+          <a:p>
+            <a:r>
+              <a:rPr lang="ko-KR" altLang="en-US"/>
+              <a:t>목표</a:t>
+            </a:r>
+            <a:endParaRPr lang="en-US"/>
+          </a:p>
+        </p:txBody>
+      </p:sp>
+    </p:spTree>
+    <p:extLst>
+      <p:ext uri="{BB962C8B-B14F-4D97-AF65-F5344CB8AC3E}">
+        <p14:creationId xmlns:p14="http://schemas.microsoft.com/office/powerpoint/2010/main" val="259335674"/>
+      </p:ext>
+    </p:extLst>
+  </p:cSld>
+  <p:clrMapOvr>
+    <a:masterClrMapping/>
+  </p:clrMapOvr>
+</p:sld>
+</file>
+
+<file path=ppt/slides/slide40.xml><?xml version="1.0" encoding="utf-8"?>
 <p:sld xmlns:a="http://schemas.openxmlformats.org/drawingml/2006/main" xmlns:r="http://schemas.openxmlformats.org/officeDocument/2006/relationships" xmlns:p="http://schemas.openxmlformats.org/presentationml/2006/main">
   <p:cSld>
     <p:spTree>
@@ -26328,184 +27053,6 @@
     <p:extLst>
       <p:ext uri="{BB962C8B-B14F-4D97-AF65-F5344CB8AC3E}">
         <p14:creationId xmlns:p14="http://schemas.microsoft.com/office/powerpoint/2010/main" val="1996614252"/>
-      </p:ext>
-    </p:extLst>
-  </p:cSld>
-  <p:clrMapOvr>
-    <a:masterClrMapping/>
-  </p:clrMapOvr>
-</p:sld>
-</file>
-
-<file path=ppt/slides/slide4.xml><?xml version="1.0" encoding="utf-8"?>
-<p:sld xmlns:a="http://schemas.openxmlformats.org/drawingml/2006/main" xmlns:r="http://schemas.openxmlformats.org/officeDocument/2006/relationships" xmlns:p="http://schemas.openxmlformats.org/presentationml/2006/main">
-  <p:cSld>
-    <p:spTree>
-      <p:nvGrpSpPr>
-        <p:cNvPr id="1" name=""/>
-        <p:cNvGrpSpPr/>
-        <p:nvPr/>
-      </p:nvGrpSpPr>
-      <p:grpSpPr>
-        <a:xfrm>
-          <a:off x="0" y="0"/>
-          <a:ext cx="0" cy="0"/>
-          <a:chOff x="0" y="0"/>
-          <a:chExt cx="0" cy="0"/>
-        </a:xfrm>
-      </p:grpSpPr>
-      <p:sp>
-        <p:nvSpPr>
-          <p:cNvPr id="2" name="내용 개체 틀 1">
-            <a:extLst>
-              <a:ext uri="{FF2B5EF4-FFF2-40B4-BE49-F238E27FC236}">
-                <a16:creationId xmlns:a16="http://schemas.microsoft.com/office/drawing/2014/main" id="{E3FF0860-1347-896E-290D-F8E97853E00C}"/>
-              </a:ext>
-            </a:extLst>
-          </p:cNvPr>
-          <p:cNvSpPr>
-            <a:spLocks noGrp="1"/>
-          </p:cNvSpPr>
-          <p:nvPr>
-            <p:ph idx="1"/>
-          </p:nvPr>
-        </p:nvSpPr>
-        <p:spPr/>
-        <p:txBody>
-          <a:bodyPr/>
-          <a:lstStyle/>
-          <a:p>
-            <a:r>
-              <a:rPr lang="ko-KR" altLang="en-US"/>
-              <a:t>단일 모듈 암복호화</a:t>
-            </a:r>
-            <a:endParaRPr lang="en-US" altLang="ko-KR"/>
-          </a:p>
-          <a:p>
-            <a:pPr lvl="1"/>
-            <a:r>
-              <a:rPr lang="ko-KR" altLang="en-US"/>
-              <a:t>한 모듈에서 암복호화 전부 가능하게 설계 및 구현</a:t>
-            </a:r>
-            <a:endParaRPr lang="en-US" altLang="ko-KR"/>
-          </a:p>
-          <a:p>
-            <a:pPr lvl="1"/>
-            <a:r>
-              <a:rPr lang="en-US"/>
-              <a:t>i_fDec </a:t>
-            </a:r>
-            <a:r>
-              <a:rPr lang="ko-KR" altLang="en-US"/>
-              <a:t>신호를 통해 제어</a:t>
-            </a:r>
-            <a:endParaRPr lang="en-US" altLang="ko-KR"/>
-          </a:p>
-          <a:p>
-            <a:endParaRPr lang="en-US"/>
-          </a:p>
-          <a:p>
-            <a:r>
-              <a:rPr lang="ko-KR" altLang="en-US"/>
-              <a:t>속도 및 구현 효율 우선</a:t>
-            </a:r>
-            <a:endParaRPr lang="en-US" altLang="ko-KR"/>
-          </a:p>
-          <a:p>
-            <a:pPr lvl="1"/>
-            <a:r>
-              <a:rPr lang="ko-KR" altLang="en-US"/>
-              <a:t>하위 모듈 필요한 만큼 사용</a:t>
-            </a:r>
-            <a:endParaRPr lang="en-US" altLang="ko-KR"/>
-          </a:p>
-          <a:p>
-            <a:pPr lvl="1"/>
-            <a:endParaRPr lang="en-US" altLang="ko-KR"/>
-          </a:p>
-          <a:p>
-            <a:r>
-              <a:rPr lang="en-US" altLang="ko-KR"/>
-              <a:t>Test Vector</a:t>
-            </a:r>
-          </a:p>
-          <a:p>
-            <a:pPr lvl="1"/>
-            <a:r>
-              <a:rPr lang="en-US" altLang="ko-KR"/>
-              <a:t>KISA – SEED128 Test Vector </a:t>
-            </a:r>
-            <a:r>
-              <a:rPr lang="ko-KR" altLang="en-US"/>
-              <a:t>사용</a:t>
-            </a:r>
-            <a:endParaRPr lang="en-US" altLang="ko-KR"/>
-          </a:p>
-        </p:txBody>
-      </p:sp>
-      <p:sp>
-        <p:nvSpPr>
-          <p:cNvPr id="3" name="슬라이드 번호 개체 틀 2">
-            <a:extLst>
-              <a:ext uri="{FF2B5EF4-FFF2-40B4-BE49-F238E27FC236}">
-                <a16:creationId xmlns:a16="http://schemas.microsoft.com/office/drawing/2014/main" id="{3BABE260-1A9D-B3F7-AB09-A65E4BC863DF}"/>
-              </a:ext>
-            </a:extLst>
-          </p:cNvPr>
-          <p:cNvSpPr>
-            <a:spLocks noGrp="1"/>
-          </p:cNvSpPr>
-          <p:nvPr>
-            <p:ph type="sldNum" sz="quarter" idx="12"/>
-          </p:nvPr>
-        </p:nvSpPr>
-        <p:spPr/>
-        <p:txBody>
-          <a:bodyPr/>
-          <a:lstStyle/>
-          <a:p>
-            <a:fld id="{0D2C6ACC-C63B-484F-9F1A-C33FE2250CD5}" type="slidenum">
-              <a:rPr lang="ko-KR" altLang="en-US" smtClean="0"/>
-              <a:pPr/>
-              <a:t>4</a:t>
-            </a:fld>
-            <a:endParaRPr lang="ko-KR" altLang="en-US" dirty="0"/>
-          </a:p>
-        </p:txBody>
-      </p:sp>
-      <p:sp>
-        <p:nvSpPr>
-          <p:cNvPr id="4" name="제목 3">
-            <a:extLst>
-              <a:ext uri="{FF2B5EF4-FFF2-40B4-BE49-F238E27FC236}">
-                <a16:creationId xmlns:a16="http://schemas.microsoft.com/office/drawing/2014/main" id="{D7BBF476-1402-E953-780A-7D8EFF30AA2F}"/>
-              </a:ext>
-            </a:extLst>
-          </p:cNvPr>
-          <p:cNvSpPr>
-            <a:spLocks noGrp="1"/>
-          </p:cNvSpPr>
-          <p:nvPr>
-            <p:ph type="title"/>
-          </p:nvPr>
-        </p:nvSpPr>
-        <p:spPr/>
-        <p:txBody>
-          <a:bodyPr/>
-          <a:lstStyle/>
-          <a:p>
-            <a:r>
-              <a:rPr lang="ko-KR" altLang="en-US"/>
-              <a:t>목표</a:t>
-            </a:r>
-            <a:endParaRPr lang="en-US"/>
-          </a:p>
-        </p:txBody>
-      </p:sp>
-    </p:spTree>
-    <p:extLst>
-      <p:ext uri="{BB962C8B-B14F-4D97-AF65-F5344CB8AC3E}">
-        <p14:creationId xmlns:p14="http://schemas.microsoft.com/office/powerpoint/2010/main" val="259335674"/>
       </p:ext>
     </p:extLst>
   </p:cSld>
